--- a/The project.pptx
+++ b/The project.pptx
@@ -15,11 +15,12 @@
     <p:sldId id="263" r:id="rId9"/>
     <p:sldId id="266" r:id="rId10"/>
     <p:sldId id="267" r:id="rId11"/>
-    <p:sldId id="268" r:id="rId12"/>
-    <p:sldId id="265" r:id="rId13"/>
-    <p:sldId id="269" r:id="rId14"/>
-    <p:sldId id="264" r:id="rId15"/>
-    <p:sldId id="270" r:id="rId16"/>
+    <p:sldId id="271" r:id="rId12"/>
+    <p:sldId id="268" r:id="rId13"/>
+    <p:sldId id="265" r:id="rId14"/>
+    <p:sldId id="269" r:id="rId15"/>
+    <p:sldId id="264" r:id="rId16"/>
+    <p:sldId id="270" r:id="rId17"/>
   </p:sldIdLst>
   <p:sldSz cx="12192000" cy="6858000"/>
   <p:notesSz cx="6858000" cy="9144000"/>
@@ -118,6 +119,11 @@
       </a:defRPr>
     </a:lvl9pPr>
   </p:defaultTextStyle>
+  <p:extLst>
+    <p:ext uri="{EFAFB233-063F-42B5-8137-9DF3F51BA10A}">
+      <p15:sldGuideLst xmlns:p15="http://schemas.microsoft.com/office/powerpoint/2012/main"/>
+    </p:ext>
+  </p:extLst>
 </p:presentation>
 </file>
 
@@ -126,7 +132,7 @@
   <pc:docChgLst>
     <pc:chgData name="Maher Alqarra" userId="81703c0c110a5f03" providerId="LiveId" clId="{1501C427-9C94-40DE-9B8A-BA2645FFDBBF}"/>
     <pc:docChg chg="undo custSel addSld delSld modSld sldOrd">
-      <pc:chgData name="Maher Alqarra" userId="81703c0c110a5f03" providerId="LiveId" clId="{1501C427-9C94-40DE-9B8A-BA2645FFDBBF}" dt="2023-12-13T07:08:21.664" v="477" actId="6549"/>
+      <pc:chgData name="Maher Alqarra" userId="81703c0c110a5f03" providerId="LiveId" clId="{1501C427-9C94-40DE-9B8A-BA2645FFDBBF}" dt="2023-12-14T09:04:00.533" v="615" actId="20577"/>
       <pc:docMkLst>
         <pc:docMk/>
       </pc:docMkLst>
@@ -224,13 +230,13 @@
         </pc:spChg>
       </pc:sldChg>
       <pc:sldChg chg="addSp modSp add mod ord">
-        <pc:chgData name="Maher Alqarra" userId="81703c0c110a5f03" providerId="LiveId" clId="{1501C427-9C94-40DE-9B8A-BA2645FFDBBF}" dt="2023-12-13T07:08:21.664" v="477" actId="6549"/>
+        <pc:chgData name="Maher Alqarra" userId="81703c0c110a5f03" providerId="LiveId" clId="{1501C427-9C94-40DE-9B8A-BA2645FFDBBF}" dt="2023-12-14T04:12:59.026" v="486" actId="20577"/>
         <pc:sldMkLst>
           <pc:docMk/>
           <pc:sldMk cId="2159888475" sldId="259"/>
         </pc:sldMkLst>
         <pc:spChg chg="add mod">
-          <ac:chgData name="Maher Alqarra" userId="81703c0c110a5f03" providerId="LiveId" clId="{1501C427-9C94-40DE-9B8A-BA2645FFDBBF}" dt="2023-12-13T07:08:21.664" v="477" actId="6549"/>
+          <ac:chgData name="Maher Alqarra" userId="81703c0c110a5f03" providerId="LiveId" clId="{1501C427-9C94-40DE-9B8A-BA2645FFDBBF}" dt="2023-12-14T04:12:59.026" v="486" actId="20577"/>
           <ac:spMkLst>
             <pc:docMk/>
             <pc:sldMk cId="2159888475" sldId="259"/>
@@ -238,7 +244,7 @@
           </ac:spMkLst>
         </pc:spChg>
         <pc:graphicFrameChg chg="add mod modGraphic">
-          <ac:chgData name="Maher Alqarra" userId="81703c0c110a5f03" providerId="LiveId" clId="{1501C427-9C94-40DE-9B8A-BA2645FFDBBF}" dt="2023-12-13T07:08:17.109" v="476" actId="1076"/>
+          <ac:chgData name="Maher Alqarra" userId="81703c0c110a5f03" providerId="LiveId" clId="{1501C427-9C94-40DE-9B8A-BA2645FFDBBF}" dt="2023-12-14T04:12:20.346" v="484" actId="14734"/>
           <ac:graphicFrameMkLst>
             <pc:docMk/>
             <pc:sldMk cId="2159888475" sldId="259"/>
@@ -325,7 +331,7 @@
         </pc:picChg>
       </pc:sldChg>
       <pc:sldChg chg="addSp delSp modSp add mod">
-        <pc:chgData name="Maher Alqarra" userId="81703c0c110a5f03" providerId="LiveId" clId="{1501C427-9C94-40DE-9B8A-BA2645FFDBBF}" dt="2023-12-13T06:23:46.701" v="306" actId="20577"/>
+        <pc:chgData name="Maher Alqarra" userId="81703c0c110a5f03" providerId="LiveId" clId="{1501C427-9C94-40DE-9B8A-BA2645FFDBBF}" dt="2023-12-14T09:04:00.533" v="615" actId="20577"/>
         <pc:sldMkLst>
           <pc:docMk/>
           <pc:sldMk cId="719984088" sldId="261"/>
@@ -339,7 +345,7 @@
           </ac:spMkLst>
         </pc:spChg>
         <pc:spChg chg="add mod">
-          <ac:chgData name="Maher Alqarra" userId="81703c0c110a5f03" providerId="LiveId" clId="{1501C427-9C94-40DE-9B8A-BA2645FFDBBF}" dt="2023-12-13T06:23:46.701" v="306" actId="20577"/>
+          <ac:chgData name="Maher Alqarra" userId="81703c0c110a5f03" providerId="LiveId" clId="{1501C427-9C94-40DE-9B8A-BA2645FFDBBF}" dt="2023-12-14T09:04:00.533" v="615" actId="20577"/>
           <ac:spMkLst>
             <pc:docMk/>
             <pc:sldMk cId="719984088" sldId="261"/>
@@ -386,20 +392,52 @@
           </ac:picMkLst>
         </pc:picChg>
       </pc:sldChg>
-      <pc:sldChg chg="addSp modSp add mod">
-        <pc:chgData name="Maher Alqarra" userId="81703c0c110a5f03" providerId="LiveId" clId="{1501C427-9C94-40DE-9B8A-BA2645FFDBBF}" dt="2023-12-13T06:52:02.143" v="369" actId="207"/>
+      <pc:sldChg chg="addSp delSp modSp add mod">
+        <pc:chgData name="Maher Alqarra" userId="81703c0c110a5f03" providerId="LiveId" clId="{1501C427-9C94-40DE-9B8A-BA2645FFDBBF}" dt="2023-12-14T04:50:51.279" v="563" actId="1038"/>
         <pc:sldMkLst>
           <pc:docMk/>
           <pc:sldMk cId="1682290518" sldId="263"/>
         </pc:sldMkLst>
         <pc:spChg chg="add mod">
-          <ac:chgData name="Maher Alqarra" userId="81703c0c110a5f03" providerId="LiveId" clId="{1501C427-9C94-40DE-9B8A-BA2645FFDBBF}" dt="2023-12-13T06:52:02.143" v="369" actId="207"/>
+          <ac:chgData name="Maher Alqarra" userId="81703c0c110a5f03" providerId="LiveId" clId="{1501C427-9C94-40DE-9B8A-BA2645FFDBBF}" dt="2023-12-14T04:19:46.038" v="515" actId="20577"/>
           <ac:spMkLst>
             <pc:docMk/>
             <pc:sldMk cId="1682290518" sldId="263"/>
             <ac:spMk id="3" creationId="{ECE96D8C-DDC3-4660-3626-AC8B64767AD7}"/>
           </ac:spMkLst>
         </pc:spChg>
+        <pc:spChg chg="add del">
+          <ac:chgData name="Maher Alqarra" userId="81703c0c110a5f03" providerId="LiveId" clId="{1501C427-9C94-40DE-9B8A-BA2645FFDBBF}" dt="2023-12-14T04:14:30.213" v="488" actId="478"/>
+          <ac:spMkLst>
+            <pc:docMk/>
+            <pc:sldMk cId="1682290518" sldId="263"/>
+            <ac:spMk id="4" creationId="{ADA54961-5A81-310D-B4DC-E7A24D7BF6EF}"/>
+          </ac:spMkLst>
+        </pc:spChg>
+        <pc:picChg chg="mod">
+          <ac:chgData name="Maher Alqarra" userId="81703c0c110a5f03" providerId="LiveId" clId="{1501C427-9C94-40DE-9B8A-BA2645FFDBBF}" dt="2023-12-14T04:50:51.279" v="563" actId="1038"/>
+          <ac:picMkLst>
+            <pc:docMk/>
+            <pc:sldMk cId="1682290518" sldId="263"/>
+            <ac:picMk id="5" creationId="{CEC28270-DEB7-7074-00A9-73988A6FA433}"/>
+          </ac:picMkLst>
+        </pc:picChg>
+        <pc:picChg chg="add mod">
+          <ac:chgData name="Maher Alqarra" userId="81703c0c110a5f03" providerId="LiveId" clId="{1501C427-9C94-40DE-9B8A-BA2645FFDBBF}" dt="2023-12-14T04:50:45.375" v="560" actId="14100"/>
+          <ac:picMkLst>
+            <pc:docMk/>
+            <pc:sldMk cId="1682290518" sldId="263"/>
+            <ac:picMk id="7" creationId="{F09582C2-997E-DD84-8B72-7E6216AA6AE9}"/>
+          </ac:picMkLst>
+        </pc:picChg>
+        <pc:picChg chg="add mod">
+          <ac:chgData name="Maher Alqarra" userId="81703c0c110a5f03" providerId="LiveId" clId="{1501C427-9C94-40DE-9B8A-BA2645FFDBBF}" dt="2023-12-14T04:50:48.015" v="561" actId="14100"/>
+          <ac:picMkLst>
+            <pc:docMk/>
+            <pc:sldMk cId="1682290518" sldId="263"/>
+            <ac:picMk id="9" creationId="{1183E7A8-42DA-7F69-7402-4A06BAA067DC}"/>
+          </ac:picMkLst>
+        </pc:picChg>
       </pc:sldChg>
       <pc:sldChg chg="addSp modSp add mod">
         <pc:chgData name="Maher Alqarra" userId="81703c0c110a5f03" providerId="LiveId" clId="{1501C427-9C94-40DE-9B8A-BA2645FFDBBF}" dt="2023-12-13T06:47:10.336" v="357" actId="1076"/>
@@ -439,7 +477,7 @@
         </pc:sldMkLst>
       </pc:sldChg>
       <pc:sldChg chg="addSp delSp modSp add mod">
-        <pc:chgData name="Maher Alqarra" userId="81703c0c110a5f03" providerId="LiveId" clId="{1501C427-9C94-40DE-9B8A-BA2645FFDBBF}" dt="2023-12-13T06:52:21.939" v="373" actId="1076"/>
+        <pc:chgData name="Maher Alqarra" userId="81703c0c110a5f03" providerId="LiveId" clId="{1501C427-9C94-40DE-9B8A-BA2645FFDBBF}" dt="2023-12-14T04:31:09.725" v="539" actId="12"/>
         <pc:sldMkLst>
           <pc:docMk/>
           <pc:sldMk cId="1959792075" sldId="266"/>
@@ -453,43 +491,99 @@
           </ac:spMkLst>
         </pc:spChg>
         <pc:spChg chg="add mod">
-          <ac:chgData name="Maher Alqarra" userId="81703c0c110a5f03" providerId="LiveId" clId="{1501C427-9C94-40DE-9B8A-BA2645FFDBBF}" dt="2023-12-13T06:52:21.939" v="373" actId="1076"/>
+          <ac:chgData name="Maher Alqarra" userId="81703c0c110a5f03" providerId="LiveId" clId="{1501C427-9C94-40DE-9B8A-BA2645FFDBBF}" dt="2023-12-14T04:31:09.725" v="539" actId="12"/>
           <ac:spMkLst>
             <pc:docMk/>
             <pc:sldMk cId="1959792075" sldId="266"/>
             <ac:spMk id="3" creationId="{F5646CB7-0107-CFF0-D386-48CDE10538D7}"/>
           </ac:spMkLst>
         </pc:spChg>
+        <pc:picChg chg="add mod">
+          <ac:chgData name="Maher Alqarra" userId="81703c0c110a5f03" providerId="LiveId" clId="{1501C427-9C94-40DE-9B8A-BA2645FFDBBF}" dt="2023-12-14T04:22:04.115" v="531" actId="1440"/>
+          <ac:picMkLst>
+            <pc:docMk/>
+            <pc:sldMk cId="1959792075" sldId="266"/>
+            <ac:picMk id="4" creationId="{80DB2968-91FE-E8BA-165D-43C835C8F575}"/>
+          </ac:picMkLst>
+        </pc:picChg>
+        <pc:picChg chg="add mod">
+          <ac:chgData name="Maher Alqarra" userId="81703c0c110a5f03" providerId="LiveId" clId="{1501C427-9C94-40DE-9B8A-BA2645FFDBBF}" dt="2023-12-14T04:22:06.818" v="533" actId="1440"/>
+          <ac:picMkLst>
+            <pc:docMk/>
+            <pc:sldMk cId="1959792075" sldId="266"/>
+            <ac:picMk id="7" creationId="{2DB0AED8-82A3-8C9B-FFE0-79C6FFA073A1}"/>
+          </ac:picMkLst>
+        </pc:picChg>
       </pc:sldChg>
-      <pc:sldChg chg="addSp modSp add">
-        <pc:chgData name="Maher Alqarra" userId="81703c0c110a5f03" providerId="LiveId" clId="{1501C427-9C94-40DE-9B8A-BA2645FFDBBF}" dt="2023-12-13T06:52:23.829" v="374"/>
+      <pc:sldChg chg="addSp modSp add mod">
+        <pc:chgData name="Maher Alqarra" userId="81703c0c110a5f03" providerId="LiveId" clId="{1501C427-9C94-40DE-9B8A-BA2645FFDBBF}" dt="2023-12-14T04:50:29.189" v="559" actId="1440"/>
         <pc:sldMkLst>
           <pc:docMk/>
           <pc:sldMk cId="807065190" sldId="267"/>
         </pc:sldMkLst>
         <pc:spChg chg="add mod">
-          <ac:chgData name="Maher Alqarra" userId="81703c0c110a5f03" providerId="LiveId" clId="{1501C427-9C94-40DE-9B8A-BA2645FFDBBF}" dt="2023-12-13T06:52:23.829" v="374"/>
+          <ac:chgData name="Maher Alqarra" userId="81703c0c110a5f03" providerId="LiveId" clId="{1501C427-9C94-40DE-9B8A-BA2645FFDBBF}" dt="2023-12-14T04:50:21.737" v="557" actId="20577"/>
           <ac:spMkLst>
             <pc:docMk/>
             <pc:sldMk cId="807065190" sldId="267"/>
             <ac:spMk id="2" creationId="{95C3F081-CB36-46D4-9DE5-4D5A38C5A93D}"/>
           </ac:spMkLst>
         </pc:spChg>
+        <pc:picChg chg="add mod">
+          <ac:chgData name="Maher Alqarra" userId="81703c0c110a5f03" providerId="LiveId" clId="{1501C427-9C94-40DE-9B8A-BA2645FFDBBF}" dt="2023-12-14T04:50:29.189" v="559" actId="1440"/>
+          <ac:picMkLst>
+            <pc:docMk/>
+            <pc:sldMk cId="807065190" sldId="267"/>
+            <ac:picMk id="4" creationId="{CAADC0EE-D674-8FB6-96FE-0C29BABD51D4}"/>
+          </ac:picMkLst>
+        </pc:picChg>
+        <pc:picChg chg="add mod">
+          <ac:chgData name="Maher Alqarra" userId="81703c0c110a5f03" providerId="LiveId" clId="{1501C427-9C94-40DE-9B8A-BA2645FFDBBF}" dt="2023-12-14T04:50:27.252" v="558" actId="1440"/>
+          <ac:picMkLst>
+            <pc:docMk/>
+            <pc:sldMk cId="807065190" sldId="267"/>
+            <ac:picMk id="7" creationId="{586F0DB2-9134-AE7B-E3DF-5CD3B8EDBF59}"/>
+          </ac:picMkLst>
+        </pc:picChg>
       </pc:sldChg>
       <pc:sldChg chg="addSp modSp add mod">
-        <pc:chgData name="Maher Alqarra" userId="81703c0c110a5f03" providerId="LiveId" clId="{1501C427-9C94-40DE-9B8A-BA2645FFDBBF}" dt="2023-12-13T06:52:29.234" v="376" actId="1076"/>
+        <pc:chgData name="Maher Alqarra" userId="81703c0c110a5f03" providerId="LiveId" clId="{1501C427-9C94-40DE-9B8A-BA2645FFDBBF}" dt="2023-12-14T08:42:43.363" v="614" actId="1076"/>
         <pc:sldMkLst>
           <pc:docMk/>
           <pc:sldMk cId="44518093" sldId="268"/>
         </pc:sldMkLst>
         <pc:spChg chg="add mod">
-          <ac:chgData name="Maher Alqarra" userId="81703c0c110a5f03" providerId="LiveId" clId="{1501C427-9C94-40DE-9B8A-BA2645FFDBBF}" dt="2023-12-13T06:52:29.234" v="376" actId="1076"/>
+          <ac:chgData name="Maher Alqarra" userId="81703c0c110a5f03" providerId="LiveId" clId="{1501C427-9C94-40DE-9B8A-BA2645FFDBBF}" dt="2023-12-14T04:54:02.866" v="572" actId="12"/>
           <ac:spMkLst>
             <pc:docMk/>
             <pc:sldMk cId="44518093" sldId="268"/>
             <ac:spMk id="2" creationId="{74C16C77-3BC5-E656-7370-52603CEA56C5}"/>
           </ac:spMkLst>
         </pc:spChg>
+        <pc:picChg chg="add mod">
+          <ac:chgData name="Maher Alqarra" userId="81703c0c110a5f03" providerId="LiveId" clId="{1501C427-9C94-40DE-9B8A-BA2645FFDBBF}" dt="2023-12-14T04:56:28.298" v="575" actId="1076"/>
+          <ac:picMkLst>
+            <pc:docMk/>
+            <pc:sldMk cId="44518093" sldId="268"/>
+            <ac:picMk id="4" creationId="{3F5BD0D3-958E-B09A-21B1-3A30727678D5}"/>
+          </ac:picMkLst>
+        </pc:picChg>
+        <pc:picChg chg="add mod">
+          <ac:chgData name="Maher Alqarra" userId="81703c0c110a5f03" providerId="LiveId" clId="{1501C427-9C94-40DE-9B8A-BA2645FFDBBF}" dt="2023-12-14T08:42:20.176" v="611" actId="1076"/>
+          <ac:picMkLst>
+            <pc:docMk/>
+            <pc:sldMk cId="44518093" sldId="268"/>
+            <ac:picMk id="7" creationId="{80E32768-E6EA-A1DD-6EDE-A1AC6BB4258C}"/>
+          </ac:picMkLst>
+        </pc:picChg>
+        <pc:picChg chg="add mod">
+          <ac:chgData name="Maher Alqarra" userId="81703c0c110a5f03" providerId="LiveId" clId="{1501C427-9C94-40DE-9B8A-BA2645FFDBBF}" dt="2023-12-14T08:42:43.363" v="614" actId="1076"/>
+          <ac:picMkLst>
+            <pc:docMk/>
+            <pc:sldMk cId="44518093" sldId="268"/>
+            <ac:picMk id="9" creationId="{D98EF62D-FB50-0D31-35D8-5253AD3D2BC4}"/>
+          </ac:picMkLst>
+        </pc:picChg>
       </pc:sldChg>
       <pc:sldChg chg="add">
         <pc:chgData name="Maher Alqarra" userId="81703c0c110a5f03" providerId="LiveId" clId="{1501C427-9C94-40DE-9B8A-BA2645FFDBBF}" dt="2023-12-13T06:52:56.546" v="385"/>
@@ -576,6 +670,83 @@
             <ac:picMk id="1034" creationId="{F244B24B-16B9-B129-EC20-50B0C63BB33F}"/>
           </ac:picMkLst>
         </pc:picChg>
+      </pc:sldChg>
+      <pc:sldChg chg="addSp delSp modSp add mod">
+        <pc:chgData name="Maher Alqarra" userId="81703c0c110a5f03" providerId="LiveId" clId="{1501C427-9C94-40DE-9B8A-BA2645FFDBBF}" dt="2023-12-14T08:38:39.053" v="608" actId="1440"/>
+        <pc:sldMkLst>
+          <pc:docMk/>
+          <pc:sldMk cId="2937750315" sldId="271"/>
+        </pc:sldMkLst>
+        <pc:spChg chg="mod">
+          <ac:chgData name="Maher Alqarra" userId="81703c0c110a5f03" providerId="LiveId" clId="{1501C427-9C94-40DE-9B8A-BA2645FFDBBF}" dt="2023-12-14T08:38:25.822" v="604" actId="14100"/>
+          <ac:spMkLst>
+            <pc:docMk/>
+            <pc:sldMk cId="2937750315" sldId="271"/>
+            <ac:spMk id="2" creationId="{95C3F081-CB36-46D4-9DE5-4D5A38C5A93D}"/>
+          </ac:spMkLst>
+        </pc:spChg>
+        <pc:picChg chg="del">
+          <ac:chgData name="Maher Alqarra" userId="81703c0c110a5f03" providerId="LiveId" clId="{1501C427-9C94-40DE-9B8A-BA2645FFDBBF}" dt="2023-12-14T08:28:35.876" v="578" actId="478"/>
+          <ac:picMkLst>
+            <pc:docMk/>
+            <pc:sldMk cId="2937750315" sldId="271"/>
+            <ac:picMk id="4" creationId="{CAADC0EE-D674-8FB6-96FE-0C29BABD51D4}"/>
+          </ac:picMkLst>
+        </pc:picChg>
+        <pc:picChg chg="add mod">
+          <ac:chgData name="Maher Alqarra" userId="81703c0c110a5f03" providerId="LiveId" clId="{1501C427-9C94-40DE-9B8A-BA2645FFDBBF}" dt="2023-12-14T08:38:37.085" v="607" actId="1440"/>
+          <ac:picMkLst>
+            <pc:docMk/>
+            <pc:sldMk cId="2937750315" sldId="271"/>
+            <ac:picMk id="6" creationId="{CB1A0CFC-FCD8-6CD0-4DED-1F96D33F52A8}"/>
+          </ac:picMkLst>
+        </pc:picChg>
+        <pc:picChg chg="del">
+          <ac:chgData name="Maher Alqarra" userId="81703c0c110a5f03" providerId="LiveId" clId="{1501C427-9C94-40DE-9B8A-BA2645FFDBBF}" dt="2023-12-14T08:28:35.252" v="577" actId="478"/>
+          <ac:picMkLst>
+            <pc:docMk/>
+            <pc:sldMk cId="2937750315" sldId="271"/>
+            <ac:picMk id="7" creationId="{586F0DB2-9134-AE7B-E3DF-5CD3B8EDBF59}"/>
+          </ac:picMkLst>
+        </pc:picChg>
+        <pc:picChg chg="add mod">
+          <ac:chgData name="Maher Alqarra" userId="81703c0c110a5f03" providerId="LiveId" clId="{1501C427-9C94-40DE-9B8A-BA2645FFDBBF}" dt="2023-12-14T08:38:39.053" v="608" actId="1440"/>
+          <ac:picMkLst>
+            <pc:docMk/>
+            <pc:sldMk cId="2937750315" sldId="271"/>
+            <ac:picMk id="9" creationId="{0E1E6AF8-B1A0-E23E-1392-1294F62BBD9D}"/>
+          </ac:picMkLst>
+        </pc:picChg>
+      </pc:sldChg>
+      <pc:sldChg chg="delSp add del mod">
+        <pc:chgData name="Maher Alqarra" userId="81703c0c110a5f03" providerId="LiveId" clId="{1501C427-9C94-40DE-9B8A-BA2645FFDBBF}" dt="2023-12-14T08:40:08.562" v="609" actId="47"/>
+        <pc:sldMkLst>
+          <pc:docMk/>
+          <pc:sldMk cId="705895258" sldId="272"/>
+        </pc:sldMkLst>
+        <pc:picChg chg="del">
+          <ac:chgData name="Maher Alqarra" userId="81703c0c110a5f03" providerId="LiveId" clId="{1501C427-9C94-40DE-9B8A-BA2645FFDBBF}" dt="2023-12-14T08:37:29.023" v="596" actId="478"/>
+          <ac:picMkLst>
+            <pc:docMk/>
+            <pc:sldMk cId="705895258" sldId="272"/>
+            <ac:picMk id="6" creationId="{CB1A0CFC-FCD8-6CD0-4DED-1F96D33F52A8}"/>
+          </ac:picMkLst>
+        </pc:picChg>
+        <pc:picChg chg="del">
+          <ac:chgData name="Maher Alqarra" userId="81703c0c110a5f03" providerId="LiveId" clId="{1501C427-9C94-40DE-9B8A-BA2645FFDBBF}" dt="2023-12-14T08:37:30.164" v="597" actId="478"/>
+          <ac:picMkLst>
+            <pc:docMk/>
+            <pc:sldMk cId="705895258" sldId="272"/>
+            <ac:picMk id="9" creationId="{0E1E6AF8-B1A0-E23E-1392-1294F62BBD9D}"/>
+          </ac:picMkLst>
+        </pc:picChg>
+      </pc:sldChg>
+      <pc:sldChg chg="add del">
+        <pc:chgData name="Maher Alqarra" userId="81703c0c110a5f03" providerId="LiveId" clId="{1501C427-9C94-40DE-9B8A-BA2645FFDBBF}" dt="2023-12-14T08:28:41.438" v="580"/>
+        <pc:sldMkLst>
+          <pc:docMk/>
+          <pc:sldMk cId="913187699" sldId="272"/>
+        </pc:sldMkLst>
       </pc:sldChg>
       <pc:sldMasterChg chg="addSldLayout">
         <pc:chgData name="Maher Alqarra" userId="81703c0c110a5f03" providerId="LiveId" clId="{1501C427-9C94-40DE-9B8A-BA2645FFDBBF}" dt="2023-12-13T04:41:38.202" v="0" actId="680"/>
@@ -6160,7 +6331,7 @@
         <p:spPr>
           <a:xfrm>
             <a:off x="1801368" y="720566"/>
-            <a:ext cx="8176260" cy="4873129"/>
+            <a:ext cx="8176260" cy="5160387"/>
           </a:xfrm>
           <a:prstGeom prst="rect">
             <a:avLst/>
@@ -6183,14 +6354,12 @@
                 <a:latin typeface="Times New Roman" panose="02020603050405020304" pitchFamily="18" charset="0"/>
                 <a:cs typeface="Times New Roman" panose="02020603050405020304" pitchFamily="18" charset="0"/>
               </a:rPr>
-              <a:t>Project X</a:t>
-            </a:r>
-            <a:endParaRPr lang="en-US" sz="4400" b="1" dirty="0">
-              <a:solidFill>
-                <a:srgbClr val="92D050"/>
-              </a:solidFill>
+              <a:t> Financial Analysis Project</a:t>
+            </a:r>
+            <a:endParaRPr lang="en-US" sz="1800" kern="100" dirty="0">
+              <a:effectLst/>
               <a:latin typeface="Times New Roman" panose="02020603050405020304" pitchFamily="18" charset="0"/>
-              <a:ea typeface="Tahoma" panose="020B0604030504040204" pitchFamily="34" charset="0"/>
+              <a:ea typeface="Calibri" panose="020F0502020204030204" pitchFamily="34" charset="0"/>
               <a:cs typeface="Times New Roman" panose="02020603050405020304" pitchFamily="18" charset="0"/>
             </a:endParaRPr>
           </a:p>
@@ -6206,7 +6375,10 @@
                 <a:spcPts val="800"/>
               </a:spcAft>
             </a:pPr>
-            <a:endParaRPr lang="en-US" sz="1800" kern="100" dirty="0">
+            <a:endParaRPr lang="en-US" sz="2400" b="1" kern="100" dirty="0">
+              <a:solidFill>
+                <a:srgbClr val="FFC000"/>
+              </a:solidFill>
               <a:effectLst/>
               <a:latin typeface="Times New Roman" panose="02020603050405020304" pitchFamily="18" charset="0"/>
               <a:ea typeface="Calibri" panose="020F0502020204030204" pitchFamily="34" charset="0"/>
@@ -6259,9 +6431,28 @@
           </a:p>
           <a:p>
             <a:pPr marL="0" marR="0" algn="ctr">
-              <a:lnSpc>
-                <a:spcPct val="200000"/>
-              </a:lnSpc>
+              <a:spcBef>
+                <a:spcPts val="0"/>
+              </a:spcBef>
+              <a:spcAft>
+                <a:spcPts val="800"/>
+              </a:spcAft>
+            </a:pPr>
+            <a:endParaRPr lang="en-US" sz="2400" b="1" dirty="0">
+              <a:solidFill>
+                <a:schemeClr val="bg2">
+                  <a:lumMod val="20000"/>
+                  <a:lumOff val="80000"/>
+                </a:schemeClr>
+              </a:solidFill>
+              <a:effectLst/>
+              <a:latin typeface="Times New Roman" panose="02020603050405020304" pitchFamily="18" charset="0"/>
+              <a:ea typeface="Calibri" panose="020F0502020204030204" pitchFamily="34" charset="0"/>
+              <a:cs typeface="Times New Roman" panose="02020603050405020304" pitchFamily="18" charset="0"/>
+            </a:endParaRPr>
+          </a:p>
+          <a:p>
+            <a:pPr marL="0" marR="0" algn="ctr">
               <a:spcBef>
                 <a:spcPts val="0"/>
               </a:spcBef>
@@ -6400,14 +6591,14 @@
           <p:nvPr>
             <p:extLst>
               <p:ext uri="{D42A27DB-BD31-4B8C-83A1-F6EECF244321}">
-                <p14:modId xmlns:p14="http://schemas.microsoft.com/office/powerpoint/2010/main" val="4056140466"/>
+                <p14:modId xmlns:p14="http://schemas.microsoft.com/office/powerpoint/2010/main" val="3266980777"/>
               </p:ext>
             </p:extLst>
           </p:nvPr>
         </p:nvGraphicFramePr>
         <p:xfrm>
-          <a:off x="1849628" y="2687320"/>
-          <a:ext cx="8128000" cy="741680"/>
+          <a:off x="1849628" y="2941320"/>
+          <a:ext cx="8128000" cy="736600"/>
         </p:xfrm>
         <a:graphic>
           <a:graphicData uri="http://schemas.openxmlformats.org/drawingml/2006/table">
@@ -6431,7 +6622,7 @@
                   </a:extLst>
                 </a:gridCol>
               </a:tblGrid>
-              <a:tr h="370840">
+              <a:tr h="0">
                 <a:tc>
                   <a:txBody>
                     <a:bodyPr/>
@@ -6709,7 +6900,7 @@
         <p:spPr>
           <a:xfrm>
             <a:off x="637794" y="633722"/>
-            <a:ext cx="6158484" cy="461665"/>
+            <a:ext cx="9192006" cy="830997"/>
           </a:xfrm>
           <a:prstGeom prst="rect">
             <a:avLst/>
@@ -6732,9 +6923,125 @@
               </a:rPr>
               <a:t>data visualization</a:t>
             </a:r>
-          </a:p>
-        </p:txBody>
-      </p:sp>
+            <a:r>
+              <a:rPr lang="ar-SA" sz="2400" b="1" dirty="0">
+                <a:solidFill>
+                  <a:srgbClr val="FFC000"/>
+                </a:solidFill>
+                <a:latin typeface="Times New Roman" panose="02020603050405020304" pitchFamily="18" charset="0"/>
+                <a:cs typeface="Times New Roman" panose="02020603050405020304" pitchFamily="18" charset="0"/>
+              </a:rPr>
+              <a:t>:</a:t>
+            </a:r>
+            <a:endParaRPr lang="en-US" sz="2400" b="1" dirty="0">
+              <a:solidFill>
+                <a:srgbClr val="FFC000"/>
+              </a:solidFill>
+              <a:latin typeface="Times New Roman" panose="02020603050405020304" pitchFamily="18" charset="0"/>
+              <a:cs typeface="Times New Roman" panose="02020603050405020304" pitchFamily="18" charset="0"/>
+            </a:endParaRPr>
+          </a:p>
+          <a:p>
+            <a:pPr marL="342900" indent="-342900">
+              <a:buFont typeface="Wingdings" panose="05000000000000000000" pitchFamily="2" charset="2"/>
+              <a:buChar char="ü"/>
+            </a:pPr>
+            <a:r>
+              <a:rPr lang="en-US" sz="2400" dirty="0">
+                <a:latin typeface="Times New Roman" panose="02020603050405020304" pitchFamily="18" charset="0"/>
+                <a:cs typeface="Times New Roman" panose="02020603050405020304" pitchFamily="18" charset="0"/>
+              </a:rPr>
+              <a:t>Make a comparison between companies using linear regression.</a:t>
+            </a:r>
+          </a:p>
+        </p:txBody>
+      </p:sp>
+      <p:pic>
+        <p:nvPicPr>
+          <p:cNvPr id="4" name="Picture 3">
+            <a:extLst>
+              <a:ext uri="{FF2B5EF4-FFF2-40B4-BE49-F238E27FC236}">
+                <a16:creationId xmlns:a16="http://schemas.microsoft.com/office/drawing/2014/main" id="{CAADC0EE-D674-8FB6-96FE-0C29BABD51D4}"/>
+              </a:ext>
+            </a:extLst>
+          </p:cNvPr>
+          <p:cNvPicPr>
+            <a:picLocks noChangeAspect="1"/>
+          </p:cNvPicPr>
+          <p:nvPr/>
+        </p:nvPicPr>
+        <p:blipFill>
+          <a:blip r:embed="rId3"/>
+          <a:stretch>
+            <a:fillRect/>
+          </a:stretch>
+        </p:blipFill>
+        <p:spPr>
+          <a:xfrm>
+            <a:off x="6493488" y="2098441"/>
+            <a:ext cx="4936700" cy="3872086"/>
+          </a:xfrm>
+          <a:prstGeom prst="roundRect">
+            <a:avLst>
+              <a:gd name="adj" fmla="val 8594"/>
+            </a:avLst>
+          </a:prstGeom>
+          <a:solidFill>
+            <a:srgbClr val="FFFFFF">
+              <a:shade val="85000"/>
+            </a:srgbClr>
+          </a:solidFill>
+          <a:ln>
+            <a:noFill/>
+          </a:ln>
+          <a:effectLst>
+            <a:reflection blurRad="12700" stA="38000" endPos="28000" dist="5000" dir="5400000" sy="-100000" algn="bl" rotWithShape="0"/>
+          </a:effectLst>
+        </p:spPr>
+      </p:pic>
+      <p:pic>
+        <p:nvPicPr>
+          <p:cNvPr id="7" name="Picture 6">
+            <a:extLst>
+              <a:ext uri="{FF2B5EF4-FFF2-40B4-BE49-F238E27FC236}">
+                <a16:creationId xmlns:a16="http://schemas.microsoft.com/office/drawing/2014/main" id="{586F0DB2-9134-AE7B-E3DF-5CD3B8EDBF59}"/>
+              </a:ext>
+            </a:extLst>
+          </p:cNvPr>
+          <p:cNvPicPr>
+            <a:picLocks noChangeAspect="1"/>
+          </p:cNvPicPr>
+          <p:nvPr/>
+        </p:nvPicPr>
+        <p:blipFill>
+          <a:blip r:embed="rId4"/>
+          <a:stretch>
+            <a:fillRect/>
+          </a:stretch>
+        </p:blipFill>
+        <p:spPr>
+          <a:xfrm>
+            <a:off x="761812" y="2098441"/>
+            <a:ext cx="4969864" cy="3872086"/>
+          </a:xfrm>
+          <a:prstGeom prst="roundRect">
+            <a:avLst>
+              <a:gd name="adj" fmla="val 8594"/>
+            </a:avLst>
+          </a:prstGeom>
+          <a:solidFill>
+            <a:srgbClr val="FFFFFF">
+              <a:shade val="85000"/>
+            </a:srgbClr>
+          </a:solidFill>
+          <a:ln>
+            <a:noFill/>
+          </a:ln>
+          <a:effectLst>
+            <a:reflection blurRad="12700" stA="38000" endPos="28000" dist="5000" dir="5400000" sy="-100000" algn="bl" rotWithShape="0"/>
+          </a:effectLst>
+        </p:spPr>
+      </p:pic>
     </p:spTree>
     <p:extLst>
       <p:ext uri="{BB962C8B-B14F-4D97-AF65-F5344CB8AC3E}">
@@ -6806,7 +7113,7 @@
           <p:cNvPr id="2" name="TextBox 1">
             <a:extLst>
               <a:ext uri="{FF2B5EF4-FFF2-40B4-BE49-F238E27FC236}">
-                <a16:creationId xmlns:a16="http://schemas.microsoft.com/office/drawing/2014/main" id="{74C16C77-3BC5-E656-7370-52603CEA56C5}"/>
+                <a16:creationId xmlns:a16="http://schemas.microsoft.com/office/drawing/2014/main" id="{95C3F081-CB36-46D4-9DE5-4D5A38C5A93D}"/>
               </a:ext>
             </a:extLst>
           </p:cNvPr>
@@ -6815,8 +7122,8 @@
         </p:nvSpPr>
         <p:spPr>
           <a:xfrm>
-            <a:off x="537210" y="569714"/>
-            <a:ext cx="6158484" cy="461665"/>
+            <a:off x="637794" y="633722"/>
+            <a:ext cx="10609326" cy="830997"/>
           </a:xfrm>
           <a:prstGeom prst="rect">
             <a:avLst/>
@@ -6839,13 +7146,129 @@
               </a:rPr>
               <a:t>data visualization</a:t>
             </a:r>
-          </a:p>
-        </p:txBody>
-      </p:sp>
+            <a:r>
+              <a:rPr lang="ar-SA" sz="2400" b="1" dirty="0">
+                <a:solidFill>
+                  <a:srgbClr val="FFC000"/>
+                </a:solidFill>
+                <a:latin typeface="Times New Roman" panose="02020603050405020304" pitchFamily="18" charset="0"/>
+                <a:cs typeface="Times New Roman" panose="02020603050405020304" pitchFamily="18" charset="0"/>
+              </a:rPr>
+              <a:t>:</a:t>
+            </a:r>
+            <a:endParaRPr lang="en-US" sz="2400" b="1" dirty="0">
+              <a:solidFill>
+                <a:srgbClr val="FFC000"/>
+              </a:solidFill>
+              <a:latin typeface="Times New Roman" panose="02020603050405020304" pitchFamily="18" charset="0"/>
+              <a:cs typeface="Times New Roman" panose="02020603050405020304" pitchFamily="18" charset="0"/>
+            </a:endParaRPr>
+          </a:p>
+          <a:p>
+            <a:pPr marL="342900" indent="-342900">
+              <a:buFont typeface="Wingdings" panose="05000000000000000000" pitchFamily="2" charset="2"/>
+              <a:buChar char="ü"/>
+            </a:pPr>
+            <a:r>
+              <a:rPr lang="en-US" sz="2400" dirty="0">
+                <a:latin typeface="Times New Roman" panose="02020603050405020304" pitchFamily="18" charset="0"/>
+                <a:cs typeface="Times New Roman" panose="02020603050405020304" pitchFamily="18" charset="0"/>
+              </a:rPr>
+              <a:t>Make a comparison between Comparison by EPS and stock market prices</a:t>
+            </a:r>
+          </a:p>
+        </p:txBody>
+      </p:sp>
+      <p:pic>
+        <p:nvPicPr>
+          <p:cNvPr id="6" name="Picture 5">
+            <a:extLst>
+              <a:ext uri="{FF2B5EF4-FFF2-40B4-BE49-F238E27FC236}">
+                <a16:creationId xmlns:a16="http://schemas.microsoft.com/office/drawing/2014/main" id="{CB1A0CFC-FCD8-6CD0-4DED-1F96D33F52A8}"/>
+              </a:ext>
+            </a:extLst>
+          </p:cNvPr>
+          <p:cNvPicPr>
+            <a:picLocks noChangeAspect="1"/>
+          </p:cNvPicPr>
+          <p:nvPr/>
+        </p:nvPicPr>
+        <p:blipFill>
+          <a:blip r:embed="rId3"/>
+          <a:stretch>
+            <a:fillRect/>
+          </a:stretch>
+        </p:blipFill>
+        <p:spPr>
+          <a:xfrm>
+            <a:off x="1019753" y="2098439"/>
+            <a:ext cx="4027736" cy="3983933"/>
+          </a:xfrm>
+          <a:prstGeom prst="roundRect">
+            <a:avLst>
+              <a:gd name="adj" fmla="val 8594"/>
+            </a:avLst>
+          </a:prstGeom>
+          <a:solidFill>
+            <a:srgbClr val="FFFFFF">
+              <a:shade val="85000"/>
+            </a:srgbClr>
+          </a:solidFill>
+          <a:ln>
+            <a:noFill/>
+          </a:ln>
+          <a:effectLst>
+            <a:reflection blurRad="12700" stA="38000" endPos="28000" dist="5000" dir="5400000" sy="-100000" algn="bl" rotWithShape="0"/>
+          </a:effectLst>
+        </p:spPr>
+      </p:pic>
+      <p:pic>
+        <p:nvPicPr>
+          <p:cNvPr id="9" name="Picture 8">
+            <a:extLst>
+              <a:ext uri="{FF2B5EF4-FFF2-40B4-BE49-F238E27FC236}">
+                <a16:creationId xmlns:a16="http://schemas.microsoft.com/office/drawing/2014/main" id="{0E1E6AF8-B1A0-E23E-1392-1294F62BBD9D}"/>
+              </a:ext>
+            </a:extLst>
+          </p:cNvPr>
+          <p:cNvPicPr>
+            <a:picLocks noChangeAspect="1"/>
+          </p:cNvPicPr>
+          <p:nvPr/>
+        </p:nvPicPr>
+        <p:blipFill>
+          <a:blip r:embed="rId4"/>
+          <a:stretch>
+            <a:fillRect/>
+          </a:stretch>
+        </p:blipFill>
+        <p:spPr>
+          <a:xfrm>
+            <a:off x="5685282" y="2098441"/>
+            <a:ext cx="5989195" cy="3983932"/>
+          </a:xfrm>
+          <a:prstGeom prst="roundRect">
+            <a:avLst>
+              <a:gd name="adj" fmla="val 8594"/>
+            </a:avLst>
+          </a:prstGeom>
+          <a:solidFill>
+            <a:srgbClr val="FFFFFF">
+              <a:shade val="85000"/>
+            </a:srgbClr>
+          </a:solidFill>
+          <a:ln>
+            <a:noFill/>
+          </a:ln>
+          <a:effectLst>
+            <a:reflection blurRad="12700" stA="38000" endPos="28000" dist="5000" dir="5400000" sy="-100000" algn="bl" rotWithShape="0"/>
+          </a:effectLst>
+        </p:spPr>
+      </p:pic>
     </p:spTree>
     <p:extLst>
       <p:ext uri="{BB962C8B-B14F-4D97-AF65-F5344CB8AC3E}">
-        <p14:creationId xmlns:p14="http://schemas.microsoft.com/office/powerpoint/2010/main" val="44518093"/>
+        <p14:creationId xmlns:p14="http://schemas.microsoft.com/office/powerpoint/2010/main" val="2937750315"/>
       </p:ext>
     </p:extLst>
   </p:cSld>
@@ -6910,10 +7333,10 @@
       </p:pic>
       <p:sp>
         <p:nvSpPr>
-          <p:cNvPr id="3" name="TextBox 2">
+          <p:cNvPr id="2" name="TextBox 1">
             <a:extLst>
               <a:ext uri="{FF2B5EF4-FFF2-40B4-BE49-F238E27FC236}">
-                <a16:creationId xmlns:a16="http://schemas.microsoft.com/office/drawing/2014/main" id="{7DCB9A59-540B-194D-63DF-51EF8CDD4A6B}"/>
+                <a16:creationId xmlns:a16="http://schemas.microsoft.com/office/drawing/2014/main" id="{74C16C77-3BC5-E656-7370-52603CEA56C5}"/>
               </a:ext>
             </a:extLst>
           </p:cNvPr>
@@ -6922,8 +7345,8 @@
         </p:nvSpPr>
         <p:spPr>
           <a:xfrm>
-            <a:off x="656082" y="652010"/>
-            <a:ext cx="6158484" cy="738664"/>
+            <a:off x="473202" y="542282"/>
+            <a:ext cx="6158484" cy="830997"/>
           </a:xfrm>
           <a:prstGeom prst="rect">
             <a:avLst/>
@@ -6944,18 +7367,125 @@
                 <a:latin typeface="Times New Roman" panose="02020603050405020304" pitchFamily="18" charset="0"/>
                 <a:cs typeface="Times New Roman" panose="02020603050405020304" pitchFamily="18" charset="0"/>
               </a:rPr>
-              <a:t>Conclusions and Summary:</a:t>
-            </a:r>
-          </a:p>
-          <a:p>
-            <a:endParaRPr lang="en-US" dirty="0"/>
-          </a:p>
-        </p:txBody>
-      </p:sp>
+              <a:t>data visualization</a:t>
+            </a:r>
+            <a:endParaRPr lang="ar-SA" sz="2400" b="1" dirty="0">
+              <a:solidFill>
+                <a:srgbClr val="FFC000"/>
+              </a:solidFill>
+              <a:latin typeface="Times New Roman" panose="02020603050405020304" pitchFamily="18" charset="0"/>
+              <a:cs typeface="Times New Roman" panose="02020603050405020304" pitchFamily="18" charset="0"/>
+            </a:endParaRPr>
+          </a:p>
+          <a:p>
+            <a:pPr marL="342900" indent="-342900">
+              <a:buFont typeface="Wingdings" panose="05000000000000000000" pitchFamily="2" charset="2"/>
+              <a:buChar char="ü"/>
+            </a:pPr>
+            <a:r>
+              <a:rPr lang="en-US" sz="2400" dirty="0">
+                <a:latin typeface="Times New Roman" panose="02020603050405020304" pitchFamily="18" charset="0"/>
+                <a:cs typeface="Times New Roman" panose="02020603050405020304" pitchFamily="18" charset="0"/>
+              </a:rPr>
+              <a:t>Correlation coefficient analysis.</a:t>
+            </a:r>
+          </a:p>
+        </p:txBody>
+      </p:sp>
+      <p:pic>
+        <p:nvPicPr>
+          <p:cNvPr id="4" name="Picture 3">
+            <a:extLst>
+              <a:ext uri="{FF2B5EF4-FFF2-40B4-BE49-F238E27FC236}">
+                <a16:creationId xmlns:a16="http://schemas.microsoft.com/office/drawing/2014/main" id="{3F5BD0D3-958E-B09A-21B1-3A30727678D5}"/>
+              </a:ext>
+            </a:extLst>
+          </p:cNvPr>
+          <p:cNvPicPr>
+            <a:picLocks noChangeAspect="1"/>
+          </p:cNvPicPr>
+          <p:nvPr/>
+        </p:nvPicPr>
+        <p:blipFill>
+          <a:blip r:embed="rId3"/>
+          <a:stretch>
+            <a:fillRect/>
+          </a:stretch>
+        </p:blipFill>
+        <p:spPr>
+          <a:xfrm>
+            <a:off x="1223984" y="1591932"/>
+            <a:ext cx="5153744" cy="1095528"/>
+          </a:xfrm>
+          <a:prstGeom prst="rect">
+            <a:avLst/>
+          </a:prstGeom>
+        </p:spPr>
+      </p:pic>
+      <p:pic>
+        <p:nvPicPr>
+          <p:cNvPr id="7" name="Picture 6">
+            <a:extLst>
+              <a:ext uri="{FF2B5EF4-FFF2-40B4-BE49-F238E27FC236}">
+                <a16:creationId xmlns:a16="http://schemas.microsoft.com/office/drawing/2014/main" id="{80E32768-E6EA-A1DD-6EDE-A1AC6BB4258C}"/>
+              </a:ext>
+            </a:extLst>
+          </p:cNvPr>
+          <p:cNvPicPr>
+            <a:picLocks noChangeAspect="1"/>
+          </p:cNvPicPr>
+          <p:nvPr/>
+        </p:nvPicPr>
+        <p:blipFill>
+          <a:blip r:embed="rId4"/>
+          <a:stretch>
+            <a:fillRect/>
+          </a:stretch>
+        </p:blipFill>
+        <p:spPr>
+          <a:xfrm>
+            <a:off x="3886593" y="3229464"/>
+            <a:ext cx="4982270" cy="1028844"/>
+          </a:xfrm>
+          <a:prstGeom prst="rect">
+            <a:avLst/>
+          </a:prstGeom>
+        </p:spPr>
+      </p:pic>
+      <p:pic>
+        <p:nvPicPr>
+          <p:cNvPr id="9" name="Picture 8">
+            <a:extLst>
+              <a:ext uri="{FF2B5EF4-FFF2-40B4-BE49-F238E27FC236}">
+                <a16:creationId xmlns:a16="http://schemas.microsoft.com/office/drawing/2014/main" id="{D98EF62D-FB50-0D31-35D8-5253AD3D2BC4}"/>
+              </a:ext>
+            </a:extLst>
+          </p:cNvPr>
+          <p:cNvPicPr>
+            <a:picLocks noChangeAspect="1"/>
+          </p:cNvPicPr>
+          <p:nvPr/>
+        </p:nvPicPr>
+        <p:blipFill>
+          <a:blip r:embed="rId5"/>
+          <a:stretch>
+            <a:fillRect/>
+          </a:stretch>
+        </p:blipFill>
+        <p:spPr>
+          <a:xfrm>
+            <a:off x="5649122" y="4923994"/>
+            <a:ext cx="4953691" cy="1086002"/>
+          </a:xfrm>
+          <a:prstGeom prst="rect">
+            <a:avLst/>
+          </a:prstGeom>
+        </p:spPr>
+      </p:pic>
     </p:spTree>
     <p:extLst>
       <p:ext uri="{BB962C8B-B14F-4D97-AF65-F5344CB8AC3E}">
-        <p14:creationId xmlns:p14="http://schemas.microsoft.com/office/powerpoint/2010/main" val="3742672924"/>
+        <p14:creationId xmlns:p14="http://schemas.microsoft.com/office/powerpoint/2010/main" val="44518093"/>
       </p:ext>
     </p:extLst>
   </p:cSld>
@@ -7032,7 +7562,7 @@
         </p:nvSpPr>
         <p:spPr>
           <a:xfrm>
-            <a:off x="811530" y="780026"/>
+            <a:off x="656082" y="652010"/>
             <a:ext cx="6158484" cy="738664"/>
           </a:xfrm>
           <a:prstGeom prst="rect">
@@ -7065,7 +7595,7 @@
     </p:spTree>
     <p:extLst>
       <p:ext uri="{BB962C8B-B14F-4D97-AF65-F5344CB8AC3E}">
-        <p14:creationId xmlns:p14="http://schemas.microsoft.com/office/powerpoint/2010/main" val="3679266541"/>
+        <p14:creationId xmlns:p14="http://schemas.microsoft.com/office/powerpoint/2010/main" val="3742672924"/>
       </p:ext>
     </p:extLst>
   </p:cSld>
@@ -7133,6 +7663,116 @@
           <p:cNvPr id="3" name="TextBox 2">
             <a:extLst>
               <a:ext uri="{FF2B5EF4-FFF2-40B4-BE49-F238E27FC236}">
+                <a16:creationId xmlns:a16="http://schemas.microsoft.com/office/drawing/2014/main" id="{7DCB9A59-540B-194D-63DF-51EF8CDD4A6B}"/>
+              </a:ext>
+            </a:extLst>
+          </p:cNvPr>
+          <p:cNvSpPr txBox="1"/>
+          <p:nvPr/>
+        </p:nvSpPr>
+        <p:spPr>
+          <a:xfrm>
+            <a:off x="811530" y="780026"/>
+            <a:ext cx="6158484" cy="738664"/>
+          </a:xfrm>
+          <a:prstGeom prst="rect">
+            <a:avLst/>
+          </a:prstGeom>
+          <a:noFill/>
+        </p:spPr>
+        <p:txBody>
+          <a:bodyPr wrap="square">
+            <a:spAutoFit/>
+          </a:bodyPr>
+          <a:lstStyle/>
+          <a:p>
+            <a:r>
+              <a:rPr lang="en-US" sz="2400" b="1" dirty="0">
+                <a:solidFill>
+                  <a:srgbClr val="FFC000"/>
+                </a:solidFill>
+                <a:latin typeface="Times New Roman" panose="02020603050405020304" pitchFamily="18" charset="0"/>
+                <a:cs typeface="Times New Roman" panose="02020603050405020304" pitchFamily="18" charset="0"/>
+              </a:rPr>
+              <a:t>Conclusions and Summary:</a:t>
+            </a:r>
+          </a:p>
+          <a:p>
+            <a:endParaRPr lang="en-US" dirty="0"/>
+          </a:p>
+        </p:txBody>
+      </p:sp>
+    </p:spTree>
+    <p:extLst>
+      <p:ext uri="{BB962C8B-B14F-4D97-AF65-F5344CB8AC3E}">
+        <p14:creationId xmlns:p14="http://schemas.microsoft.com/office/powerpoint/2010/main" val="3679266541"/>
+      </p:ext>
+    </p:extLst>
+  </p:cSld>
+  <p:clrMapOvr>
+    <a:masterClrMapping/>
+  </p:clrMapOvr>
+</p:sld>
+</file>
+
+<file path=ppt/slides/slide15.xml><?xml version="1.0" encoding="utf-8"?>
+<p:sld xmlns:a="http://schemas.openxmlformats.org/drawingml/2006/main" xmlns:r="http://schemas.openxmlformats.org/officeDocument/2006/relationships" xmlns:p="http://schemas.openxmlformats.org/presentationml/2006/main">
+  <p:cSld>
+    <p:spTree>
+      <p:nvGrpSpPr>
+        <p:cNvPr id="1" name=""/>
+        <p:cNvGrpSpPr/>
+        <p:nvPr/>
+      </p:nvGrpSpPr>
+      <p:grpSpPr>
+        <a:xfrm>
+          <a:off x="0" y="0"/>
+          <a:ext cx="0" cy="0"/>
+          <a:chOff x="0" y="0"/>
+          <a:chExt cx="0" cy="0"/>
+        </a:xfrm>
+      </p:grpSpPr>
+      <p:pic>
+        <p:nvPicPr>
+          <p:cNvPr id="5" name="Picture 4">
+            <a:extLst>
+              <a:ext uri="{FF2B5EF4-FFF2-40B4-BE49-F238E27FC236}">
+                <a16:creationId xmlns:a16="http://schemas.microsoft.com/office/drawing/2014/main" id="{CEC28270-DEB7-7074-00A9-73988A6FA433}"/>
+              </a:ext>
+            </a:extLst>
+          </p:cNvPr>
+          <p:cNvPicPr>
+            <a:picLocks noChangeAspect="1"/>
+          </p:cNvPicPr>
+          <p:nvPr/>
+        </p:nvPicPr>
+        <p:blipFill>
+          <a:blip r:embed="rId2">
+            <a:extLst>
+              <a:ext uri="{28A0092B-C50C-407E-A947-70E740481C1C}">
+                <a14:useLocalDpi xmlns:a14="http://schemas.microsoft.com/office/drawing/2010/main" val="0"/>
+              </a:ext>
+            </a:extLst>
+          </a:blip>
+          <a:stretch>
+            <a:fillRect/>
+          </a:stretch>
+        </p:blipFill>
+        <p:spPr>
+          <a:xfrm>
+            <a:off x="0" y="0"/>
+            <a:ext cx="12192000" cy="6858000"/>
+          </a:xfrm>
+          <a:prstGeom prst="rect">
+            <a:avLst/>
+          </a:prstGeom>
+        </p:spPr>
+      </p:pic>
+      <p:sp>
+        <p:nvSpPr>
+          <p:cNvPr id="3" name="TextBox 2">
+            <a:extLst>
+              <a:ext uri="{FF2B5EF4-FFF2-40B4-BE49-F238E27FC236}">
                 <a16:creationId xmlns:a16="http://schemas.microsoft.com/office/drawing/2014/main" id="{BB9B5E09-E16F-D0CA-DD5D-DFEB2E68E76B}"/>
               </a:ext>
             </a:extLst>
@@ -7296,7 +7936,7 @@
 </p:sld>
 </file>
 
-<file path=ppt/slides/slide15.xml><?xml version="1.0" encoding="utf-8"?>
+<file path=ppt/slides/slide16.xml><?xml version="1.0" encoding="utf-8"?>
 <p:sld xmlns:a="http://schemas.openxmlformats.org/drawingml/2006/main" xmlns:r="http://schemas.openxmlformats.org/officeDocument/2006/relationships" xmlns:p="http://schemas.openxmlformats.org/presentationml/2006/main">
   <p:cSld>
     <p:spTree>
@@ -8343,7 +8983,7 @@
         <p:spPr>
           <a:xfrm>
             <a:off x="866394" y="643974"/>
-            <a:ext cx="9950958" cy="5381281"/>
+            <a:ext cx="9950958" cy="5011949"/>
           </a:xfrm>
           <a:prstGeom prst="rect">
             <a:avLst/>
@@ -8439,19 +9079,6 @@
                 <a:cs typeface="Times New Roman" panose="02020603050405020304" pitchFamily="18" charset="0"/>
               </a:rPr>
               <a:t>Efficiency Ratios.</a:t>
-            </a:r>
-          </a:p>
-          <a:p>
-            <a:pPr marL="800100" lvl="1" indent="-342900">
-              <a:buFont typeface="Arial" panose="020B0604020202020204" pitchFamily="34" charset="0"/>
-              <a:buChar char="•"/>
-            </a:pPr>
-            <a:r>
-              <a:rPr lang="en-US" sz="2400" dirty="0">
-                <a:latin typeface="Times New Roman" panose="02020603050405020304" pitchFamily="18" charset="0"/>
-                <a:cs typeface="Times New Roman" panose="02020603050405020304" pitchFamily="18" charset="0"/>
-              </a:rPr>
-              <a:t>Other Ratios.</a:t>
             </a:r>
           </a:p>
           <a:p>
@@ -8814,7 +9441,7 @@
         </p:blipFill>
         <p:spPr>
           <a:xfrm>
-            <a:off x="0" y="0"/>
+            <a:off x="18288" y="0"/>
             <a:ext cx="12192000" cy="6858000"/>
           </a:xfrm>
           <a:prstGeom prst="rect">
@@ -8836,8 +9463,8 @@
         </p:nvSpPr>
         <p:spPr>
           <a:xfrm>
-            <a:off x="637794" y="633722"/>
-            <a:ext cx="6158484" cy="461665"/>
+            <a:off x="646938" y="542282"/>
+            <a:ext cx="9640062" cy="830997"/>
           </a:xfrm>
           <a:prstGeom prst="rect">
             <a:avLst/>
@@ -8860,9 +9487,118 @@
               </a:rPr>
               <a:t>data visualization</a:t>
             </a:r>
-          </a:p>
-        </p:txBody>
-      </p:sp>
+            <a:r>
+              <a:rPr lang="ar-SA" sz="2400" b="1" dirty="0">
+                <a:solidFill>
+                  <a:srgbClr val="FFC000"/>
+                </a:solidFill>
+                <a:latin typeface="Times New Roman" panose="02020603050405020304" pitchFamily="18" charset="0"/>
+                <a:cs typeface="Times New Roman" panose="02020603050405020304" pitchFamily="18" charset="0"/>
+              </a:rPr>
+              <a:t>:</a:t>
+            </a:r>
+          </a:p>
+          <a:p>
+            <a:pPr marL="342900" indent="-342900">
+              <a:buFont typeface="Wingdings" panose="05000000000000000000" pitchFamily="2" charset="2"/>
+              <a:buChar char="ü"/>
+            </a:pPr>
+            <a:r>
+              <a:rPr lang="en-US" sz="2400" dirty="0">
+                <a:latin typeface="Times New Roman" panose="02020603050405020304" pitchFamily="18" charset="0"/>
+                <a:cs typeface="Times New Roman" panose="02020603050405020304" pitchFamily="18" charset="0"/>
+              </a:rPr>
+              <a:t>Make a comparison between companies based on financial ratios.</a:t>
+            </a:r>
+          </a:p>
+        </p:txBody>
+      </p:sp>
+      <p:pic>
+        <p:nvPicPr>
+          <p:cNvPr id="7" name="Picture 6">
+            <a:extLst>
+              <a:ext uri="{FF2B5EF4-FFF2-40B4-BE49-F238E27FC236}">
+                <a16:creationId xmlns:a16="http://schemas.microsoft.com/office/drawing/2014/main" id="{F09582C2-997E-DD84-8B72-7E6216AA6AE9}"/>
+              </a:ext>
+            </a:extLst>
+          </p:cNvPr>
+          <p:cNvPicPr>
+            <a:picLocks noChangeAspect="1"/>
+          </p:cNvPicPr>
+          <p:nvPr/>
+        </p:nvPicPr>
+        <p:blipFill>
+          <a:blip r:embed="rId3"/>
+          <a:stretch>
+            <a:fillRect/>
+          </a:stretch>
+        </p:blipFill>
+        <p:spPr>
+          <a:xfrm>
+            <a:off x="646938" y="1993392"/>
+            <a:ext cx="4965166" cy="4154662"/>
+          </a:xfrm>
+          <a:prstGeom prst="roundRect">
+            <a:avLst>
+              <a:gd name="adj" fmla="val 8594"/>
+            </a:avLst>
+          </a:prstGeom>
+          <a:solidFill>
+            <a:srgbClr val="FFFFFF">
+              <a:shade val="85000"/>
+            </a:srgbClr>
+          </a:solidFill>
+          <a:ln>
+            <a:noFill/>
+          </a:ln>
+          <a:effectLst>
+            <a:reflection blurRad="12700" stA="38000" endPos="28000" dist="5000" dir="5400000" sy="-100000" algn="bl" rotWithShape="0"/>
+          </a:effectLst>
+        </p:spPr>
+      </p:pic>
+      <p:pic>
+        <p:nvPicPr>
+          <p:cNvPr id="9" name="Picture 8">
+            <a:extLst>
+              <a:ext uri="{FF2B5EF4-FFF2-40B4-BE49-F238E27FC236}">
+                <a16:creationId xmlns:a16="http://schemas.microsoft.com/office/drawing/2014/main" id="{1183E7A8-42DA-7F69-7402-4A06BAA067DC}"/>
+              </a:ext>
+            </a:extLst>
+          </p:cNvPr>
+          <p:cNvPicPr>
+            <a:picLocks noChangeAspect="1"/>
+          </p:cNvPicPr>
+          <p:nvPr/>
+        </p:nvPicPr>
+        <p:blipFill>
+          <a:blip r:embed="rId4"/>
+          <a:stretch>
+            <a:fillRect/>
+          </a:stretch>
+        </p:blipFill>
+        <p:spPr>
+          <a:xfrm>
+            <a:off x="6259356" y="1993392"/>
+            <a:ext cx="4965166" cy="4154662"/>
+          </a:xfrm>
+          <a:prstGeom prst="roundRect">
+            <a:avLst>
+              <a:gd name="adj" fmla="val 8594"/>
+            </a:avLst>
+          </a:prstGeom>
+          <a:solidFill>
+            <a:srgbClr val="FFFFFF">
+              <a:shade val="85000"/>
+            </a:srgbClr>
+          </a:solidFill>
+          <a:ln>
+            <a:noFill/>
+          </a:ln>
+          <a:effectLst>
+            <a:reflection blurRad="12700" stA="38000" endPos="28000" dist="5000" dir="5400000" sy="-100000" algn="bl" rotWithShape="0"/>
+          </a:effectLst>
+        </p:spPr>
+      </p:pic>
     </p:spTree>
     <p:extLst>
       <p:ext uri="{BB962C8B-B14F-4D97-AF65-F5344CB8AC3E}">
@@ -8944,7 +9680,7 @@
         <p:spPr>
           <a:xfrm>
             <a:off x="601218" y="588002"/>
-            <a:ext cx="6158484" cy="461665"/>
+            <a:ext cx="10243566" cy="1200329"/>
           </a:xfrm>
           <a:prstGeom prst="rect">
             <a:avLst/>
@@ -8965,11 +9701,117 @@
                 <a:latin typeface="Times New Roman" panose="02020603050405020304" pitchFamily="18" charset="0"/>
                 <a:cs typeface="Times New Roman" panose="02020603050405020304" pitchFamily="18" charset="0"/>
               </a:rPr>
-              <a:t>data visualization</a:t>
-            </a:r>
-          </a:p>
-        </p:txBody>
-      </p:sp>
+              <a:t>data visualization:</a:t>
+            </a:r>
+            <a:endParaRPr lang="ar-SA" sz="2400" b="1" dirty="0">
+              <a:solidFill>
+                <a:srgbClr val="FFC000"/>
+              </a:solidFill>
+              <a:latin typeface="Times New Roman" panose="02020603050405020304" pitchFamily="18" charset="0"/>
+              <a:cs typeface="Times New Roman" panose="02020603050405020304" pitchFamily="18" charset="0"/>
+            </a:endParaRPr>
+          </a:p>
+          <a:p>
+            <a:pPr marL="342900" indent="-342900">
+              <a:buFont typeface="Wingdings" panose="05000000000000000000" pitchFamily="2" charset="2"/>
+              <a:buChar char="ü"/>
+            </a:pPr>
+            <a:r>
+              <a:rPr lang="en-US" sz="2400" dirty="0">
+                <a:latin typeface="Times New Roman" panose="02020603050405020304" pitchFamily="18" charset="0"/>
+                <a:cs typeface="Times New Roman" panose="02020603050405020304" pitchFamily="18" charset="0"/>
+              </a:rPr>
+              <a:t>Make a comparison between companies based on financial ratios using different types of charts.</a:t>
+            </a:r>
+          </a:p>
+        </p:txBody>
+      </p:sp>
+      <p:pic>
+        <p:nvPicPr>
+          <p:cNvPr id="4" name="Picture 3">
+            <a:extLst>
+              <a:ext uri="{FF2B5EF4-FFF2-40B4-BE49-F238E27FC236}">
+                <a16:creationId xmlns:a16="http://schemas.microsoft.com/office/drawing/2014/main" id="{80DB2968-91FE-E8BA-165D-43C835C8F575}"/>
+              </a:ext>
+            </a:extLst>
+          </p:cNvPr>
+          <p:cNvPicPr>
+            <a:picLocks noChangeAspect="1"/>
+          </p:cNvPicPr>
+          <p:nvPr/>
+        </p:nvPicPr>
+        <p:blipFill>
+          <a:blip r:embed="rId3"/>
+          <a:stretch>
+            <a:fillRect/>
+          </a:stretch>
+        </p:blipFill>
+        <p:spPr>
+          <a:xfrm>
+            <a:off x="853078" y="2103120"/>
+            <a:ext cx="4869923" cy="3794728"/>
+          </a:xfrm>
+          <a:prstGeom prst="roundRect">
+            <a:avLst>
+              <a:gd name="adj" fmla="val 8594"/>
+            </a:avLst>
+          </a:prstGeom>
+          <a:solidFill>
+            <a:srgbClr val="FFFFFF">
+              <a:shade val="85000"/>
+            </a:srgbClr>
+          </a:solidFill>
+          <a:ln>
+            <a:noFill/>
+          </a:ln>
+          <a:effectLst>
+            <a:reflection blurRad="12700" stA="38000" endPos="28000" dist="5000" dir="5400000" sy="-100000" algn="bl" rotWithShape="0"/>
+          </a:effectLst>
+        </p:spPr>
+      </p:pic>
+      <p:pic>
+        <p:nvPicPr>
+          <p:cNvPr id="7" name="Picture 6">
+            <a:extLst>
+              <a:ext uri="{FF2B5EF4-FFF2-40B4-BE49-F238E27FC236}">
+                <a16:creationId xmlns:a16="http://schemas.microsoft.com/office/drawing/2014/main" id="{2DB0AED8-82A3-8C9B-FFE0-79C6FFA073A1}"/>
+              </a:ext>
+            </a:extLst>
+          </p:cNvPr>
+          <p:cNvPicPr>
+            <a:picLocks noChangeAspect="1"/>
+          </p:cNvPicPr>
+          <p:nvPr/>
+        </p:nvPicPr>
+        <p:blipFill>
+          <a:blip r:embed="rId4"/>
+          <a:stretch>
+            <a:fillRect/>
+          </a:stretch>
+        </p:blipFill>
+        <p:spPr>
+          <a:xfrm>
+            <a:off x="6429763" y="2076070"/>
+            <a:ext cx="4869923" cy="3821778"/>
+          </a:xfrm>
+          <a:prstGeom prst="roundRect">
+            <a:avLst>
+              <a:gd name="adj" fmla="val 8594"/>
+            </a:avLst>
+          </a:prstGeom>
+          <a:solidFill>
+            <a:srgbClr val="FFFFFF">
+              <a:shade val="85000"/>
+            </a:srgbClr>
+          </a:solidFill>
+          <a:ln>
+            <a:noFill/>
+          </a:ln>
+          <a:effectLst>
+            <a:reflection blurRad="12700" stA="38000" endPos="28000" dist="5000" dir="5400000" sy="-100000" algn="bl" rotWithShape="0"/>
+          </a:effectLst>
+        </p:spPr>
+      </p:pic>
     </p:spTree>
     <p:extLst>
       <p:ext uri="{BB962C8B-B14F-4D97-AF65-F5344CB8AC3E}">

--- a/The project.pptx
+++ b/The project.pptx
@@ -18,7 +18,7 @@
     <p:sldId id="271" r:id="rId12"/>
     <p:sldId id="268" r:id="rId13"/>
     <p:sldId id="265" r:id="rId14"/>
-    <p:sldId id="269" r:id="rId15"/>
+    <p:sldId id="272" r:id="rId15"/>
     <p:sldId id="264" r:id="rId16"/>
     <p:sldId id="270" r:id="rId17"/>
   </p:sldIdLst>
@@ -132,7 +132,7 @@
   <pc:docChgLst>
     <pc:chgData name="Maher Alqarra" userId="81703c0c110a5f03" providerId="LiveId" clId="{1501C427-9C94-40DE-9B8A-BA2645FFDBBF}"/>
     <pc:docChg chg="undo custSel addSld delSld modSld sldOrd">
-      <pc:chgData name="Maher Alqarra" userId="81703c0c110a5f03" providerId="LiveId" clId="{1501C427-9C94-40DE-9B8A-BA2645FFDBBF}" dt="2023-12-14T09:04:00.533" v="615" actId="20577"/>
+      <pc:chgData name="Maher Alqarra" userId="81703c0c110a5f03" providerId="LiveId" clId="{1501C427-9C94-40DE-9B8A-BA2645FFDBBF}" dt="2023-12-14T14:04:03.231" v="697" actId="2696"/>
       <pc:docMkLst>
         <pc:docMk/>
       </pc:docMkLst>
@@ -454,20 +454,52 @@
           </ac:spMkLst>
         </pc:spChg>
       </pc:sldChg>
-      <pc:sldChg chg="addSp modSp add mod ord">
-        <pc:chgData name="Maher Alqarra" userId="81703c0c110a5f03" providerId="LiveId" clId="{1501C427-9C94-40DE-9B8A-BA2645FFDBBF}" dt="2023-12-13T06:52:55.375" v="384" actId="1076"/>
+      <pc:sldChg chg="addSp delSp modSp add mod ord">
+        <pc:chgData name="Maher Alqarra" userId="81703c0c110a5f03" providerId="LiveId" clId="{1501C427-9C94-40DE-9B8A-BA2645FFDBBF}" dt="2023-12-14T14:03:02.734" v="696" actId="12"/>
         <pc:sldMkLst>
           <pc:docMk/>
           <pc:sldMk cId="3742672924" sldId="265"/>
         </pc:sldMkLst>
         <pc:spChg chg="add mod">
-          <ac:chgData name="Maher Alqarra" userId="81703c0c110a5f03" providerId="LiveId" clId="{1501C427-9C94-40DE-9B8A-BA2645FFDBBF}" dt="2023-12-13T06:52:55.375" v="384" actId="1076"/>
+          <ac:chgData name="Maher Alqarra" userId="81703c0c110a5f03" providerId="LiveId" clId="{1501C427-9C94-40DE-9B8A-BA2645FFDBBF}" dt="2023-12-14T14:03:02.734" v="696" actId="12"/>
           <ac:spMkLst>
             <pc:docMk/>
             <pc:sldMk cId="3742672924" sldId="265"/>
             <ac:spMk id="3" creationId="{7DCB9A59-540B-194D-63DF-51EF8CDD4A6B}"/>
           </ac:spMkLst>
         </pc:spChg>
+        <pc:picChg chg="mod">
+          <ac:chgData name="Maher Alqarra" userId="81703c0c110a5f03" providerId="LiveId" clId="{1501C427-9C94-40DE-9B8A-BA2645FFDBBF}" dt="2023-12-14T14:01:11.670" v="678" actId="14100"/>
+          <ac:picMkLst>
+            <pc:docMk/>
+            <pc:sldMk cId="3742672924" sldId="265"/>
+            <ac:picMk id="5" creationId="{CEC28270-DEB7-7074-00A9-73988A6FA433}"/>
+          </ac:picMkLst>
+        </pc:picChg>
+        <pc:picChg chg="add del mod">
+          <ac:chgData name="Maher Alqarra" userId="81703c0c110a5f03" providerId="LiveId" clId="{1501C427-9C94-40DE-9B8A-BA2645FFDBBF}" dt="2023-12-14T14:00:36.709" v="672"/>
+          <ac:picMkLst>
+            <pc:docMk/>
+            <pc:sldMk cId="3742672924" sldId="265"/>
+            <ac:picMk id="1026" creationId="{3FB0B81B-51A3-F1CD-F868-0274A1093326}"/>
+          </ac:picMkLst>
+        </pc:picChg>
+        <pc:picChg chg="add del mod">
+          <ac:chgData name="Maher Alqarra" userId="81703c0c110a5f03" providerId="LiveId" clId="{1501C427-9C94-40DE-9B8A-BA2645FFDBBF}" dt="2023-12-14T14:00:44.483" v="676"/>
+          <ac:picMkLst>
+            <pc:docMk/>
+            <pc:sldMk cId="3742672924" sldId="265"/>
+            <ac:picMk id="1028" creationId="{076EEDF2-2021-02B7-6311-5CF8F8955ACC}"/>
+          </ac:picMkLst>
+        </pc:picChg>
+        <pc:picChg chg="add mod">
+          <ac:chgData name="Maher Alqarra" userId="81703c0c110a5f03" providerId="LiveId" clId="{1501C427-9C94-40DE-9B8A-BA2645FFDBBF}" dt="2023-12-14T14:01:24.338" v="682" actId="1076"/>
+          <ac:picMkLst>
+            <pc:docMk/>
+            <pc:sldMk cId="3742672924" sldId="265"/>
+            <ac:picMk id="1030" creationId="{378DEED4-0DF4-4E0D-D40C-919D945668E3}"/>
+          </ac:picMkLst>
+        </pc:picChg>
       </pc:sldChg>
       <pc:sldChg chg="new del">
         <pc:chgData name="Maher Alqarra" userId="81703c0c110a5f03" providerId="LiveId" clId="{1501C427-9C94-40DE-9B8A-BA2645FFDBBF}" dt="2023-12-13T06:50:32.199" v="359" actId="47"/>
@@ -585,8 +617,8 @@
           </ac:picMkLst>
         </pc:picChg>
       </pc:sldChg>
-      <pc:sldChg chg="add">
-        <pc:chgData name="Maher Alqarra" userId="81703c0c110a5f03" providerId="LiveId" clId="{1501C427-9C94-40DE-9B8A-BA2645FFDBBF}" dt="2023-12-13T06:52:56.546" v="385"/>
+      <pc:sldChg chg="add del">
+        <pc:chgData name="Maher Alqarra" userId="81703c0c110a5f03" providerId="LiveId" clId="{1501C427-9C94-40DE-9B8A-BA2645FFDBBF}" dt="2023-12-14T14:04:03.231" v="697" actId="2696"/>
         <pc:sldMkLst>
           <pc:docMk/>
           <pc:sldMk cId="3679266541" sldId="269"/>
@@ -748,6 +780,29 @@
           <pc:sldMk cId="913187699" sldId="272"/>
         </pc:sldMkLst>
       </pc:sldChg>
+      <pc:sldChg chg="addSp modSp add mod">
+        <pc:chgData name="Maher Alqarra" userId="81703c0c110a5f03" providerId="LiveId" clId="{1501C427-9C94-40DE-9B8A-BA2645FFDBBF}" dt="2023-12-14T14:01:53.873" v="685" actId="113"/>
+        <pc:sldMkLst>
+          <pc:docMk/>
+          <pc:sldMk cId="2709149462" sldId="272"/>
+        </pc:sldMkLst>
+        <pc:spChg chg="mod">
+          <ac:chgData name="Maher Alqarra" userId="81703c0c110a5f03" providerId="LiveId" clId="{1501C427-9C94-40DE-9B8A-BA2645FFDBBF}" dt="2023-12-14T14:01:53.873" v="685" actId="113"/>
+          <ac:spMkLst>
+            <pc:docMk/>
+            <pc:sldMk cId="2709149462" sldId="272"/>
+            <ac:spMk id="3" creationId="{7DCB9A59-540B-194D-63DF-51EF8CDD4A6B}"/>
+          </ac:spMkLst>
+        </pc:spChg>
+        <pc:picChg chg="add mod">
+          <ac:chgData name="Maher Alqarra" userId="81703c0c110a5f03" providerId="LiveId" clId="{1501C427-9C94-40DE-9B8A-BA2645FFDBBF}" dt="2023-12-14T14:01:33.957" v="683"/>
+          <ac:picMkLst>
+            <pc:docMk/>
+            <pc:sldMk cId="2709149462" sldId="272"/>
+            <ac:picMk id="2" creationId="{6983EA9D-35FF-F1E8-3BED-A313D868EBE1}"/>
+          </ac:picMkLst>
+        </pc:picChg>
+      </pc:sldChg>
       <pc:sldMasterChg chg="addSldLayout">
         <pc:chgData name="Maher Alqarra" userId="81703c0c110a5f03" providerId="LiveId" clId="{1501C427-9C94-40DE-9B8A-BA2645FFDBBF}" dt="2023-12-13T04:41:38.202" v="0" actId="680"/>
         <pc:sldMasterMkLst>
@@ -901,7 +956,7 @@
           <a:p>
             <a:fld id="{48A87A34-81AB-432B-8DAE-1953F412C126}" type="datetimeFigureOut">
               <a:rPr lang="en-US" dirty="0"/>
-              <a:t>12/13/2023</a:t>
+              <a:t>12/14/2023</a:t>
             </a:fld>
             <a:endParaRPr lang="en-US" dirty="0"/>
           </a:p>
@@ -1188,7 +1243,7 @@
           <a:p>
             <a:fld id="{48A87A34-81AB-432B-8DAE-1953F412C126}" type="datetimeFigureOut">
               <a:rPr lang="en-US" dirty="0"/>
-              <a:t>12/13/2023</a:t>
+              <a:t>12/14/2023</a:t>
             </a:fld>
             <a:endParaRPr lang="en-US" dirty="0"/>
           </a:p>
@@ -1380,7 +1435,7 @@
           <a:p>
             <a:fld id="{48A87A34-81AB-432B-8DAE-1953F412C126}" type="datetimeFigureOut">
               <a:rPr lang="en-US" dirty="0"/>
-              <a:t>12/13/2023</a:t>
+              <a:t>12/14/2023</a:t>
             </a:fld>
             <a:endParaRPr lang="en-US" dirty="0"/>
           </a:p>
@@ -1641,7 +1696,7 @@
           <a:p>
             <a:fld id="{48A87A34-81AB-432B-8DAE-1953F412C126}" type="datetimeFigureOut">
               <a:rPr lang="en-US" dirty="0"/>
-              <a:t>12/13/2023</a:t>
+              <a:t>12/14/2023</a:t>
             </a:fld>
             <a:endParaRPr lang="en-US" dirty="0"/>
           </a:p>
@@ -2065,7 +2120,7 @@
           <a:p>
             <a:fld id="{48A87A34-81AB-432B-8DAE-1953F412C126}" type="datetimeFigureOut">
               <a:rPr lang="en-US" dirty="0"/>
-              <a:t>12/13/2023</a:t>
+              <a:t>12/14/2023</a:t>
             </a:fld>
             <a:endParaRPr lang="en-US" dirty="0"/>
           </a:p>
@@ -2611,7 +2666,7 @@
           <a:p>
             <a:fld id="{48A87A34-81AB-432B-8DAE-1953F412C126}" type="datetimeFigureOut">
               <a:rPr lang="en-US" dirty="0"/>
-              <a:t>12/13/2023</a:t>
+              <a:t>12/14/2023</a:t>
             </a:fld>
             <a:endParaRPr lang="en-US" dirty="0"/>
           </a:p>
@@ -3451,7 +3506,7 @@
           <a:p>
             <a:fld id="{48A87A34-81AB-432B-8DAE-1953F412C126}" type="datetimeFigureOut">
               <a:rPr lang="en-US" dirty="0"/>
-              <a:t>12/13/2023</a:t>
+              <a:t>12/14/2023</a:t>
             </a:fld>
             <a:endParaRPr lang="en-US" dirty="0"/>
           </a:p>
@@ -3621,7 +3676,7 @@
           <a:p>
             <a:fld id="{48A87A34-81AB-432B-8DAE-1953F412C126}" type="datetimeFigureOut">
               <a:rPr lang="en-US" dirty="0"/>
-              <a:t>12/13/2023</a:t>
+              <a:t>12/14/2023</a:t>
             </a:fld>
             <a:endParaRPr lang="en-US" dirty="0"/>
           </a:p>
@@ -3805,7 +3860,7 @@
           <a:p>
             <a:fld id="{48A87A34-81AB-432B-8DAE-1953F412C126}" type="datetimeFigureOut">
               <a:rPr lang="en-US" dirty="0"/>
-              <a:t>12/13/2023</a:t>
+              <a:t>12/14/2023</a:t>
             </a:fld>
             <a:endParaRPr lang="en-US" dirty="0"/>
           </a:p>
@@ -3975,7 +4030,7 @@
           <a:p>
             <a:fld id="{48A87A34-81AB-432B-8DAE-1953F412C126}" type="datetimeFigureOut">
               <a:rPr lang="en-US" dirty="0"/>
-              <a:t>12/13/2023</a:t>
+              <a:t>12/14/2023</a:t>
             </a:fld>
             <a:endParaRPr lang="en-US" dirty="0"/>
           </a:p>
@@ -4223,7 +4278,7 @@
           <a:p>
             <a:fld id="{48A87A34-81AB-432B-8DAE-1953F412C126}" type="datetimeFigureOut">
               <a:rPr lang="en-US" dirty="0"/>
-              <a:t>12/13/2023</a:t>
+              <a:t>12/14/2023</a:t>
             </a:fld>
             <a:endParaRPr lang="en-US" dirty="0"/>
           </a:p>
@@ -4460,7 +4515,7 @@
           <a:p>
             <a:fld id="{48A87A34-81AB-432B-8DAE-1953F412C126}" type="datetimeFigureOut">
               <a:rPr lang="en-US" dirty="0"/>
-              <a:t>12/13/2023</a:t>
+              <a:t>12/14/2023</a:t>
             </a:fld>
             <a:endParaRPr lang="en-US" dirty="0"/>
           </a:p>
@@ -4833,7 +4888,7 @@
           <a:p>
             <a:fld id="{48A87A34-81AB-432B-8DAE-1953F412C126}" type="datetimeFigureOut">
               <a:rPr lang="en-US" dirty="0"/>
-              <a:t>12/13/2023</a:t>
+              <a:t>12/14/2023</a:t>
             </a:fld>
             <a:endParaRPr lang="en-US" dirty="0"/>
           </a:p>
@@ -4951,7 +5006,7 @@
           <a:p>
             <a:fld id="{48A87A34-81AB-432B-8DAE-1953F412C126}" type="datetimeFigureOut">
               <a:rPr lang="en-US" dirty="0"/>
-              <a:t>12/13/2023</a:t>
+              <a:t>12/14/2023</a:t>
             </a:fld>
             <a:endParaRPr lang="en-US" dirty="0"/>
           </a:p>
@@ -5046,7 +5101,7 @@
           <a:p>
             <a:fld id="{48A87A34-81AB-432B-8DAE-1953F412C126}" type="datetimeFigureOut">
               <a:rPr lang="en-US" dirty="0"/>
-              <a:t>12/13/2023</a:t>
+              <a:t>12/14/2023</a:t>
             </a:fld>
             <a:endParaRPr lang="en-US" dirty="0"/>
           </a:p>
@@ -5297,7 +5352,7 @@
           <a:p>
             <a:fld id="{48A87A34-81AB-432B-8DAE-1953F412C126}" type="datetimeFigureOut">
               <a:rPr lang="en-US" dirty="0"/>
-              <a:t>12/13/2023</a:t>
+              <a:t>12/14/2023</a:t>
             </a:fld>
             <a:endParaRPr lang="en-US" dirty="0"/>
           </a:p>
@@ -5584,7 +5639,7 @@
           <a:p>
             <a:fld id="{48A87A34-81AB-432B-8DAE-1953F412C126}" type="datetimeFigureOut">
               <a:rPr lang="en-US" dirty="0"/>
-              <a:t>12/13/2023</a:t>
+              <a:t>12/14/2023</a:t>
             </a:fld>
             <a:endParaRPr lang="en-US" dirty="0"/>
           </a:p>
@@ -5798,7 +5853,7 @@
             <a:fld id="{48A87A34-81AB-432B-8DAE-1953F412C126}" type="datetimeFigureOut">
               <a:rPr lang="en-US" dirty="0"/>
               <a:pPr/>
-              <a:t>12/13/2023</a:t>
+              <a:t>12/14/2023</a:t>
             </a:fld>
             <a:endParaRPr lang="en-US" dirty="0"/>
           </a:p>
@@ -7540,8 +7595,8 @@
         </p:blipFill>
         <p:spPr>
           <a:xfrm>
-            <a:off x="0" y="0"/>
-            <a:ext cx="12192000" cy="6858000"/>
+            <a:off x="16256" y="0"/>
+            <a:ext cx="12175744" cy="6848856"/>
           </a:xfrm>
           <a:prstGeom prst="rect">
             <a:avLst/>
@@ -7563,7 +7618,7 @@
         <p:spPr>
           <a:xfrm>
             <a:off x="656082" y="652010"/>
-            <a:ext cx="6158484" cy="738664"/>
+            <a:ext cx="10627614" cy="5478423"/>
           </a:xfrm>
           <a:prstGeom prst="rect">
             <a:avLst/>
@@ -7588,10 +7643,188 @@
             </a:r>
           </a:p>
           <a:p>
+            <a:r>
+              <a:rPr lang="en-US" sz="2400" dirty="0">
+                <a:solidFill>
+                  <a:srgbClr val="FFFF00"/>
+                </a:solidFill>
+                <a:latin typeface="Times New Roman" panose="02020603050405020304" pitchFamily="18" charset="0"/>
+                <a:cs typeface="Times New Roman" panose="02020603050405020304" pitchFamily="18" charset="0"/>
+              </a:rPr>
+              <a:t>Dollarama</a:t>
+            </a:r>
+          </a:p>
+          <a:p>
+            <a:endParaRPr lang="en-US" sz="2400" dirty="0">
+              <a:solidFill>
+                <a:srgbClr val="FFFF00"/>
+              </a:solidFill>
+              <a:latin typeface="Times New Roman" panose="02020603050405020304" pitchFamily="18" charset="0"/>
+              <a:cs typeface="Times New Roman" panose="02020603050405020304" pitchFamily="18" charset="0"/>
+            </a:endParaRPr>
+          </a:p>
+          <a:p>
+            <a:pPr marL="342900" indent="-342900">
+              <a:buFont typeface="Wingdings" panose="05000000000000000000" pitchFamily="2" charset="2"/>
+              <a:buChar char="§"/>
+            </a:pPr>
+            <a:r>
+              <a:rPr lang="en-US" sz="2000" b="1" dirty="0">
+                <a:solidFill>
+                  <a:schemeClr val="tx2"/>
+                </a:solidFill>
+                <a:latin typeface="Times New Roman" panose="02020603050405020304" pitchFamily="18" charset="0"/>
+                <a:cs typeface="Times New Roman" panose="02020603050405020304" pitchFamily="18" charset="0"/>
+              </a:rPr>
+              <a:t>Financial Ratios Overview:</a:t>
+            </a:r>
+          </a:p>
+          <a:p>
+            <a:r>
+              <a:rPr lang="en-US" sz="2000" dirty="0">
+                <a:latin typeface="Times New Roman" panose="02020603050405020304" pitchFamily="18" charset="0"/>
+                <a:cs typeface="Times New Roman" panose="02020603050405020304" pitchFamily="18" charset="0"/>
+              </a:rPr>
+              <a:t>Liquidity: Working Capital &amp; Quick Ratios fluctuated, indicating short-term liquidity variations.</a:t>
+            </a:r>
+          </a:p>
+          <a:p>
+            <a:r>
+              <a:rPr lang="en-US" sz="2000" dirty="0">
+                <a:latin typeface="Times New Roman" panose="02020603050405020304" pitchFamily="18" charset="0"/>
+                <a:cs typeface="Times New Roman" panose="02020603050405020304" pitchFamily="18" charset="0"/>
+              </a:rPr>
+              <a:t>Cash Flow &amp; Debt: Operating Cash Flow generally positive; Debt to Equity fluctuated, signaling changes in capital structure.</a:t>
+            </a:r>
+          </a:p>
+          <a:p>
+            <a:r>
+              <a:rPr lang="en-US" sz="2000" dirty="0">
+                <a:latin typeface="Times New Roman" panose="02020603050405020304" pitchFamily="18" charset="0"/>
+                <a:cs typeface="Times New Roman" panose="02020603050405020304" pitchFamily="18" charset="0"/>
+              </a:rPr>
+              <a:t>	Profitability: Consistent Gross &amp; Net Profit Margins; Stable Return on Equity (ROE).</a:t>
+            </a:r>
+          </a:p>
+          <a:p>
+            <a:r>
+              <a:rPr lang="en-US" sz="2000" dirty="0">
+                <a:latin typeface="Times New Roman" panose="02020603050405020304" pitchFamily="18" charset="0"/>
+                <a:cs typeface="Times New Roman" panose="02020603050405020304" pitchFamily="18" charset="0"/>
+              </a:rPr>
+              <a:t>Efficiency: Improvements in Inventory Turnover; Fluctuations in Asset Turnover.</a:t>
+            </a:r>
+          </a:p>
+          <a:p>
+            <a:endParaRPr lang="en-US" sz="2000" dirty="0">
+              <a:latin typeface="Times New Roman" panose="02020603050405020304" pitchFamily="18" charset="0"/>
+              <a:cs typeface="Times New Roman" panose="02020603050405020304" pitchFamily="18" charset="0"/>
+            </a:endParaRPr>
+          </a:p>
+          <a:p>
+            <a:pPr marL="342900" indent="-342900">
+              <a:buFont typeface="Wingdings" panose="05000000000000000000" pitchFamily="2" charset="2"/>
+              <a:buChar char="§"/>
+            </a:pPr>
+            <a:r>
+              <a:rPr lang="en-US" sz="2000" b="1" dirty="0">
+                <a:solidFill>
+                  <a:schemeClr val="tx2"/>
+                </a:solidFill>
+                <a:latin typeface="Times New Roman" panose="02020603050405020304" pitchFamily="18" charset="0"/>
+                <a:cs typeface="Times New Roman" panose="02020603050405020304" pitchFamily="18" charset="0"/>
+              </a:rPr>
+              <a:t>Time vs. Operating Cash Flow Ratio:</a:t>
+            </a:r>
+          </a:p>
+          <a:p>
+            <a:r>
+              <a:rPr lang="en-US" sz="2000" dirty="0">
+                <a:latin typeface="Times New Roman" panose="02020603050405020304" pitchFamily="18" charset="0"/>
+                <a:cs typeface="Times New Roman" panose="02020603050405020304" pitchFamily="18" charset="0"/>
+              </a:rPr>
+              <a:t>Linear Regression Model: Negative relationship between time ('index') and Operating Cash Flow Ratio.</a:t>
+            </a:r>
+          </a:p>
+          <a:p>
+            <a:r>
+              <a:rPr lang="en-US" sz="2000" dirty="0">
+                <a:latin typeface="Times New Roman" panose="02020603050405020304" pitchFamily="18" charset="0"/>
+                <a:cs typeface="Times New Roman" panose="02020603050405020304" pitchFamily="18" charset="0"/>
+              </a:rPr>
+              <a:t>Equation: Operating Cash Flow Ratio = 251.35 - 0.124 * index</a:t>
+            </a:r>
+          </a:p>
+          <a:p>
+            <a:r>
+              <a:rPr lang="en-US" sz="2000" dirty="0">
+                <a:latin typeface="Times New Roman" panose="02020603050405020304" pitchFamily="18" charset="0"/>
+                <a:cs typeface="Times New Roman" panose="02020603050405020304" pitchFamily="18" charset="0"/>
+              </a:rPr>
+              <a:t>Indicates a predicted decrease in Operating Cash Flow Ratio with time.</a:t>
+            </a:r>
+          </a:p>
+          <a:p>
+            <a:r>
+              <a:rPr lang="en-US" sz="2000" dirty="0">
+                <a:latin typeface="Times New Roman" panose="02020603050405020304" pitchFamily="18" charset="0"/>
+                <a:cs typeface="Times New Roman" panose="02020603050405020304" pitchFamily="18" charset="0"/>
+              </a:rPr>
+              <a:t>Slide 4: Market Correlations</a:t>
+            </a:r>
+          </a:p>
+          <a:p>
             <a:endParaRPr lang="en-US" dirty="0"/>
           </a:p>
         </p:txBody>
       </p:sp>
+      <p:pic>
+        <p:nvPicPr>
+          <p:cNvPr id="1030" name="Picture 6" descr="Dollarama - Ecoborne">
+            <a:extLst>
+              <a:ext uri="{FF2B5EF4-FFF2-40B4-BE49-F238E27FC236}">
+                <a16:creationId xmlns:a16="http://schemas.microsoft.com/office/drawing/2014/main" id="{378DEED4-0DF4-4E0D-D40C-919D945668E3}"/>
+              </a:ext>
+            </a:extLst>
+          </p:cNvPr>
+          <p:cNvPicPr>
+            <a:picLocks noChangeAspect="1" noChangeArrowheads="1"/>
+          </p:cNvPicPr>
+          <p:nvPr/>
+        </p:nvPicPr>
+        <p:blipFill>
+          <a:blip r:embed="rId3">
+            <a:extLst>
+              <a:ext uri="{28A0092B-C50C-407E-A947-70E740481C1C}">
+                <a14:useLocalDpi xmlns:a14="http://schemas.microsoft.com/office/drawing/2010/main" val="0"/>
+              </a:ext>
+            </a:extLst>
+          </a:blip>
+          <a:srcRect/>
+          <a:stretch>
+            <a:fillRect/>
+          </a:stretch>
+        </p:blipFill>
+        <p:spPr bwMode="auto">
+          <a:xfrm>
+            <a:off x="9810728" y="364237"/>
+            <a:ext cx="2012209" cy="1153667"/>
+          </a:xfrm>
+          <a:prstGeom prst="rect">
+            <a:avLst/>
+          </a:prstGeom>
+          <a:noFill/>
+          <a:extLst>
+            <a:ext uri="{909E8E84-426E-40DD-AFC4-6F175D3DCCD1}">
+              <a14:hiddenFill xmlns:a14="http://schemas.microsoft.com/office/drawing/2010/main">
+                <a:solidFill>
+                  <a:srgbClr val="FFFFFF"/>
+                </a:solidFill>
+              </a14:hiddenFill>
+            </a:ext>
+          </a:extLst>
+        </p:spPr>
+      </p:pic>
     </p:spTree>
     <p:extLst>
       <p:ext uri="{BB962C8B-B14F-4D97-AF65-F5344CB8AC3E}">
@@ -7672,8 +7905,8 @@
         </p:nvSpPr>
         <p:spPr>
           <a:xfrm>
-            <a:off x="811530" y="780026"/>
-            <a:ext cx="6158484" cy="738664"/>
+            <a:off x="782193" y="1008626"/>
+            <a:ext cx="10099167" cy="4278094"/>
           </a:xfrm>
           <a:prstGeom prst="rect">
             <a:avLst/>
@@ -7698,14 +7931,172 @@
             </a:r>
           </a:p>
           <a:p>
+            <a:r>
+              <a:rPr lang="en-US" sz="2400" dirty="0">
+                <a:solidFill>
+                  <a:srgbClr val="FFFF00"/>
+                </a:solidFill>
+                <a:latin typeface="Times New Roman" panose="02020603050405020304" pitchFamily="18" charset="0"/>
+                <a:cs typeface="Times New Roman" panose="02020603050405020304" pitchFamily="18" charset="0"/>
+              </a:rPr>
+              <a:t>Dollarama</a:t>
+            </a:r>
+          </a:p>
+          <a:p>
+            <a:endParaRPr lang="en-US" sz="2400" dirty="0">
+              <a:solidFill>
+                <a:srgbClr val="FFFF00"/>
+              </a:solidFill>
+              <a:latin typeface="Times New Roman" panose="02020603050405020304" pitchFamily="18" charset="0"/>
+              <a:cs typeface="Times New Roman" panose="02020603050405020304" pitchFamily="18" charset="0"/>
+            </a:endParaRPr>
+          </a:p>
+          <a:p>
+            <a:pPr marL="342900" indent="-342900">
+              <a:buFont typeface="Wingdings" panose="05000000000000000000" pitchFamily="2" charset="2"/>
+              <a:buChar char="§"/>
+            </a:pPr>
+            <a:r>
+              <a:rPr lang="en-US" sz="2000" b="1" dirty="0">
+                <a:solidFill>
+                  <a:schemeClr val="tx2"/>
+                </a:solidFill>
+                <a:latin typeface="Times New Roman" panose="02020603050405020304" pitchFamily="18" charset="0"/>
+                <a:cs typeface="Times New Roman" panose="02020603050405020304" pitchFamily="18" charset="0"/>
+              </a:rPr>
+              <a:t>Correlation Analysis:</a:t>
+            </a:r>
+          </a:p>
+          <a:p>
+            <a:r>
+              <a:rPr lang="en-US" sz="2000" dirty="0">
+                <a:latin typeface="Times New Roman" panose="02020603050405020304" pitchFamily="18" charset="0"/>
+                <a:cs typeface="Times New Roman" panose="02020603050405020304" pitchFamily="18" charset="0"/>
+              </a:rPr>
+              <a:t>Strong positive correlation between 'Net Income to Stockholders' and 'Stock Market Price' (Close, DOL.TO).</a:t>
+            </a:r>
+          </a:p>
+          <a:p>
+            <a:r>
+              <a:rPr lang="en-US" sz="2000" dirty="0">
+                <a:latin typeface="Times New Roman" panose="02020603050405020304" pitchFamily="18" charset="0"/>
+                <a:cs typeface="Times New Roman" panose="02020603050405020304" pitchFamily="18" charset="0"/>
+              </a:rPr>
+              <a:t>'Net Income to Stockholders' highly related to time ('index').</a:t>
+            </a:r>
+          </a:p>
+          <a:p>
+            <a:r>
+              <a:rPr lang="en-US" sz="2000" dirty="0">
+                <a:latin typeface="Times New Roman" panose="02020603050405020304" pitchFamily="18" charset="0"/>
+                <a:cs typeface="Times New Roman" panose="02020603050405020304" pitchFamily="18" charset="0"/>
+              </a:rPr>
+              <a:t>Slide 5: Conclusion &amp; Recommendations</a:t>
+            </a:r>
+          </a:p>
+          <a:p>
+            <a:endParaRPr lang="en-US" sz="2000" dirty="0">
+              <a:latin typeface="Times New Roman" panose="02020603050405020304" pitchFamily="18" charset="0"/>
+              <a:cs typeface="Times New Roman" panose="02020603050405020304" pitchFamily="18" charset="0"/>
+            </a:endParaRPr>
+          </a:p>
+          <a:p>
+            <a:pPr marL="342900" indent="-342900">
+              <a:buFont typeface="Wingdings" panose="05000000000000000000" pitchFamily="2" charset="2"/>
+              <a:buChar char="§"/>
+            </a:pPr>
+            <a:r>
+              <a:rPr lang="en-US" sz="2000" b="1" dirty="0">
+                <a:solidFill>
+                  <a:schemeClr val="tx2"/>
+                </a:solidFill>
+                <a:latin typeface="Times New Roman" panose="02020603050405020304" pitchFamily="18" charset="0"/>
+                <a:cs typeface="Times New Roman" panose="02020603050405020304" pitchFamily="18" charset="0"/>
+              </a:rPr>
+              <a:t>Insights &amp; Suggestions:</a:t>
+            </a:r>
+          </a:p>
+          <a:p>
+            <a:r>
+              <a:rPr lang="en-US" sz="2000" dirty="0">
+                <a:latin typeface="Times New Roman" panose="02020603050405020304" pitchFamily="18" charset="0"/>
+                <a:cs typeface="Times New Roman" panose="02020603050405020304" pitchFamily="18" charset="0"/>
+              </a:rPr>
+              <a:t>Company shows consistent profitability but fluctuating liquidity and efficiency.</a:t>
+            </a:r>
+          </a:p>
+          <a:p>
+            <a:r>
+              <a:rPr lang="en-US" sz="2000" dirty="0">
+                <a:latin typeface="Times New Roman" panose="02020603050405020304" pitchFamily="18" charset="0"/>
+                <a:cs typeface="Times New Roman" panose="02020603050405020304" pitchFamily="18" charset="0"/>
+              </a:rPr>
+              <a:t>Suggested Focus Areas: Short-term liquidity management, Asset utilization efficiency.</a:t>
+            </a:r>
+          </a:p>
+          <a:p>
+            <a:r>
+              <a:rPr lang="en-US" sz="2000" dirty="0">
+                <a:latin typeface="Times New Roman" panose="02020603050405020304" pitchFamily="18" charset="0"/>
+                <a:cs typeface="Times New Roman" panose="02020603050405020304" pitchFamily="18" charset="0"/>
+              </a:rPr>
+              <a:t>Further Analysis: Benchmarking against industry standards for a comprehensive evaluation</a:t>
+            </a:r>
             <a:endParaRPr lang="en-US" dirty="0"/>
           </a:p>
         </p:txBody>
       </p:sp>
+      <p:pic>
+        <p:nvPicPr>
+          <p:cNvPr id="2" name="Picture 6" descr="Dollarama - Ecoborne">
+            <a:extLst>
+              <a:ext uri="{FF2B5EF4-FFF2-40B4-BE49-F238E27FC236}">
+                <a16:creationId xmlns:a16="http://schemas.microsoft.com/office/drawing/2014/main" id="{6983EA9D-35FF-F1E8-3BED-A313D868EBE1}"/>
+              </a:ext>
+            </a:extLst>
+          </p:cNvPr>
+          <p:cNvPicPr>
+            <a:picLocks noChangeAspect="1" noChangeArrowheads="1"/>
+          </p:cNvPicPr>
+          <p:nvPr/>
+        </p:nvPicPr>
+        <p:blipFill>
+          <a:blip r:embed="rId3">
+            <a:extLst>
+              <a:ext uri="{28A0092B-C50C-407E-A947-70E740481C1C}">
+                <a14:useLocalDpi xmlns:a14="http://schemas.microsoft.com/office/drawing/2010/main" val="0"/>
+              </a:ext>
+            </a:extLst>
+          </a:blip>
+          <a:srcRect/>
+          <a:stretch>
+            <a:fillRect/>
+          </a:stretch>
+        </p:blipFill>
+        <p:spPr bwMode="auto">
+          <a:xfrm>
+            <a:off x="9810728" y="364237"/>
+            <a:ext cx="2012209" cy="1153667"/>
+          </a:xfrm>
+          <a:prstGeom prst="rect">
+            <a:avLst/>
+          </a:prstGeom>
+          <a:noFill/>
+          <a:extLst>
+            <a:ext uri="{909E8E84-426E-40DD-AFC4-6F175D3DCCD1}">
+              <a14:hiddenFill xmlns:a14="http://schemas.microsoft.com/office/drawing/2010/main">
+                <a:solidFill>
+                  <a:srgbClr val="FFFFFF"/>
+                </a:solidFill>
+              </a14:hiddenFill>
+            </a:ext>
+          </a:extLst>
+        </p:spPr>
+      </p:pic>
     </p:spTree>
     <p:extLst>
       <p:ext uri="{BB962C8B-B14F-4D97-AF65-F5344CB8AC3E}">
-        <p14:creationId xmlns:p14="http://schemas.microsoft.com/office/powerpoint/2010/main" val="3679266541"/>
+        <p14:creationId xmlns:p14="http://schemas.microsoft.com/office/powerpoint/2010/main" val="2709149462"/>
       </p:ext>
     </p:extLst>
   </p:cSld>

--- a/The project.pptx
+++ b/The project.pptx
@@ -132,7 +132,7 @@
   <pc:docChgLst>
     <pc:chgData name="Maher Alqarra" userId="81703c0c110a5f03" providerId="LiveId" clId="{1501C427-9C94-40DE-9B8A-BA2645FFDBBF}"/>
     <pc:docChg chg="undo custSel addSld delSld modSld sldOrd">
-      <pc:chgData name="Maher Alqarra" userId="81703c0c110a5f03" providerId="LiveId" clId="{1501C427-9C94-40DE-9B8A-BA2645FFDBBF}" dt="2023-12-14T14:04:03.231" v="697" actId="2696"/>
+      <pc:chgData name="Maher Alqarra" userId="81703c0c110a5f03" providerId="LiveId" clId="{1501C427-9C94-40DE-9B8A-BA2645FFDBBF}" dt="2023-12-14T14:50:06.937" v="710" actId="1076"/>
       <pc:docMkLst>
         <pc:docMk/>
       </pc:docMkLst>
@@ -200,13 +200,13 @@
         </pc:picChg>
       </pc:sldChg>
       <pc:sldChg chg="addSp modSp add mod">
-        <pc:chgData name="Maher Alqarra" userId="81703c0c110a5f03" providerId="LiveId" clId="{1501C427-9C94-40DE-9B8A-BA2645FFDBBF}" dt="2023-12-13T05:51:20.641" v="164" actId="1076"/>
+        <pc:chgData name="Maher Alqarra" userId="81703c0c110a5f03" providerId="LiveId" clId="{1501C427-9C94-40DE-9B8A-BA2645FFDBBF}" dt="2023-12-14T14:49:34.878" v="707" actId="2711"/>
         <pc:sldMkLst>
           <pc:docMk/>
           <pc:sldMk cId="247017577" sldId="257"/>
         </pc:sldMkLst>
         <pc:spChg chg="add mod">
-          <ac:chgData name="Maher Alqarra" userId="81703c0c110a5f03" providerId="LiveId" clId="{1501C427-9C94-40DE-9B8A-BA2645FFDBBF}" dt="2023-12-13T05:51:20.641" v="164" actId="1076"/>
+          <ac:chgData name="Maher Alqarra" userId="81703c0c110a5f03" providerId="LiveId" clId="{1501C427-9C94-40DE-9B8A-BA2645FFDBBF}" dt="2023-12-14T14:49:34.878" v="707" actId="2711"/>
           <ac:spMkLst>
             <pc:docMk/>
             <pc:sldMk cId="247017577" sldId="257"/>
@@ -292,13 +292,13 @@
         </pc:graphicFrameChg>
       </pc:sldChg>
       <pc:sldChg chg="addSp delSp modSp add mod">
-        <pc:chgData name="Maher Alqarra" userId="81703c0c110a5f03" providerId="LiveId" clId="{1501C427-9C94-40DE-9B8A-BA2645FFDBBF}" dt="2023-12-13T06:53:55.161" v="392" actId="20577"/>
+        <pc:chgData name="Maher Alqarra" userId="81703c0c110a5f03" providerId="LiveId" clId="{1501C427-9C94-40DE-9B8A-BA2645FFDBBF}" dt="2023-12-14T14:50:06.937" v="710" actId="1076"/>
         <pc:sldMkLst>
           <pc:docMk/>
           <pc:sldMk cId="1699697371" sldId="260"/>
         </pc:sldMkLst>
         <pc:spChg chg="add mod">
-          <ac:chgData name="Maher Alqarra" userId="81703c0c110a5f03" providerId="LiveId" clId="{1501C427-9C94-40DE-9B8A-BA2645FFDBBF}" dt="2023-12-13T06:53:55.161" v="392" actId="20577"/>
+          <ac:chgData name="Maher Alqarra" userId="81703c0c110a5f03" providerId="LiveId" clId="{1501C427-9C94-40DE-9B8A-BA2645FFDBBF}" dt="2023-12-14T14:50:06.937" v="710" actId="1076"/>
           <ac:spMkLst>
             <pc:docMk/>
             <pc:sldMk cId="1699697371" sldId="260"/>
@@ -440,13 +440,13 @@
         </pc:picChg>
       </pc:sldChg>
       <pc:sldChg chg="addSp modSp add mod">
-        <pc:chgData name="Maher Alqarra" userId="81703c0c110a5f03" providerId="LiveId" clId="{1501C427-9C94-40DE-9B8A-BA2645FFDBBF}" dt="2023-12-13T06:47:10.336" v="357" actId="1076"/>
+        <pc:chgData name="Maher Alqarra" userId="81703c0c110a5f03" providerId="LiveId" clId="{1501C427-9C94-40DE-9B8A-BA2645FFDBBF}" dt="2023-12-14T14:49:04.407" v="706" actId="20577"/>
         <pc:sldMkLst>
           <pc:docMk/>
           <pc:sldMk cId="3624465072" sldId="264"/>
         </pc:sldMkLst>
         <pc:spChg chg="add mod">
-          <ac:chgData name="Maher Alqarra" userId="81703c0c110a5f03" providerId="LiveId" clId="{1501C427-9C94-40DE-9B8A-BA2645FFDBBF}" dt="2023-12-13T06:47:10.336" v="357" actId="1076"/>
+          <ac:chgData name="Maher Alqarra" userId="81703c0c110a5f03" providerId="LiveId" clId="{1501C427-9C94-40DE-9B8A-BA2645FFDBBF}" dt="2023-12-14T14:49:04.407" v="706" actId="20577"/>
           <ac:spMkLst>
             <pc:docMk/>
             <pc:sldMk cId="3624465072" sldId="264"/>
@@ -8195,7 +8195,7 @@
                 <a:latin typeface="Times New Roman" panose="02020603050405020304" pitchFamily="18" charset="0"/>
                 <a:cs typeface="Times New Roman" panose="02020603050405020304" pitchFamily="18" charset="0"/>
               </a:rPr>
-              <a:t>Concluding remarks</a:t>
+              <a:t>Concluding remarks:</a:t>
             </a:r>
           </a:p>
           <a:p>
@@ -8293,7 +8293,7 @@
                 <a:latin typeface="Times New Roman" panose="02020603050405020304" pitchFamily="18" charset="0"/>
                 <a:cs typeface="Times New Roman" panose="02020603050405020304" pitchFamily="18" charset="0"/>
               </a:rPr>
-              <a:t>Using correlation models with the Canadian stock market index and sector index.</a:t>
+              <a:t>Using correlation models with the Canadian stock market index S&amp;P/TSX Composite and sector index.</a:t>
             </a:r>
           </a:p>
           <a:p>
@@ -8804,6 +8804,8 @@
                 <a:solidFill>
                   <a:srgbClr val="FFC000"/>
                 </a:solidFill>
+                <a:latin typeface="Times New Roman" panose="02020603050405020304" pitchFamily="18" charset="0"/>
+                <a:cs typeface="Times New Roman" panose="02020603050405020304" pitchFamily="18" charset="0"/>
               </a:rPr>
               <a:t>Questions Addressed:</a:t>
             </a:r>
@@ -8818,6 +8820,8 @@
               <a:solidFill>
                 <a:srgbClr val="FFC000"/>
               </a:solidFill>
+              <a:latin typeface="Times New Roman" panose="02020603050405020304" pitchFamily="18" charset="0"/>
+              <a:cs typeface="Times New Roman" panose="02020603050405020304" pitchFamily="18" charset="0"/>
             </a:endParaRPr>
           </a:p>
           <a:p>
@@ -8829,7 +8833,10 @@
               <a:buChar char="Ø"/>
             </a:pPr>
             <a:r>
-              <a:rPr lang="en-US" sz="2400" dirty="0"/>
+              <a:rPr lang="en-US" sz="2400" dirty="0">
+                <a:latin typeface="Times New Roman" panose="02020603050405020304" pitchFamily="18" charset="0"/>
+                <a:cs typeface="Times New Roman" panose="02020603050405020304" pitchFamily="18" charset="0"/>
+              </a:rPr>
               <a:t>Determining the best investment opportunity among selected companies.</a:t>
             </a:r>
           </a:p>
@@ -8842,7 +8849,10 @@
               <a:buChar char="Ø"/>
             </a:pPr>
             <a:r>
-              <a:rPr lang="en-US" sz="2400" dirty="0"/>
+              <a:rPr lang="en-US" sz="2400" dirty="0">
+                <a:latin typeface="Times New Roman" panose="02020603050405020304" pitchFamily="18" charset="0"/>
+                <a:cs typeface="Times New Roman" panose="02020603050405020304" pitchFamily="18" charset="0"/>
+              </a:rPr>
               <a:t>Identifying the company least suitable for investment based on risk analysis.</a:t>
             </a:r>
           </a:p>
@@ -8855,7 +8865,10 @@
               <a:buChar char="Ø"/>
             </a:pPr>
             <a:r>
-              <a:rPr lang="en-US" sz="2400" dirty="0"/>
+              <a:rPr lang="en-US" sz="2400" dirty="0">
+                <a:latin typeface="Times New Roman" panose="02020603050405020304" pitchFamily="18" charset="0"/>
+                <a:cs typeface="Times New Roman" panose="02020603050405020304" pitchFamily="18" charset="0"/>
+              </a:rPr>
               <a:t>Evaluating market share price valuation (overvalued or undervalued).</a:t>
             </a:r>
           </a:p>
@@ -9153,7 +9166,7 @@
         </p:nvSpPr>
         <p:spPr>
           <a:xfrm>
-            <a:off x="692658" y="721144"/>
+            <a:off x="774954" y="710768"/>
             <a:ext cx="7847838" cy="1872372"/>
           </a:xfrm>
           <a:prstGeom prst="rect">
@@ -9168,16 +9181,21 @@
           <a:lstStyle/>
           <a:p>
             <a:r>
-              <a:rPr lang="en-US" sz="2400" dirty="0">
+              <a:rPr lang="en-US" sz="2400" b="1" dirty="0">
                 <a:solidFill>
                   <a:srgbClr val="FFC000"/>
                 </a:solidFill>
+                <a:latin typeface="Times New Roman" panose="02020603050405020304" pitchFamily="18" charset="0"/>
+                <a:cs typeface="Times New Roman" panose="02020603050405020304" pitchFamily="18" charset="0"/>
               </a:rPr>
               <a:t>Data exploration and cleaning:</a:t>
             </a:r>
           </a:p>
           <a:p>
-            <a:endParaRPr lang="en-US" sz="2400" dirty="0"/>
+            <a:endParaRPr lang="en-US" sz="2400" dirty="0">
+              <a:latin typeface="Times New Roman" panose="02020603050405020304" pitchFamily="18" charset="0"/>
+              <a:cs typeface="Times New Roman" panose="02020603050405020304" pitchFamily="18" charset="0"/>
+            </a:endParaRPr>
           </a:p>
           <a:p>
             <a:pPr marL="342900" indent="-342900">
@@ -9188,7 +9206,10 @@
               <a:buChar char="Ø"/>
             </a:pPr>
             <a:r>
-              <a:rPr lang="en-US" sz="2400" dirty="0"/>
+              <a:rPr lang="en-US" sz="2400" dirty="0">
+                <a:latin typeface="Times New Roman" panose="02020603050405020304" pitchFamily="18" charset="0"/>
+                <a:cs typeface="Times New Roman" panose="02020603050405020304" pitchFamily="18" charset="0"/>
+              </a:rPr>
               <a:t>Steps taken to explore and clean the data obtained.</a:t>
             </a:r>
           </a:p>
@@ -9201,7 +9222,10 @@
               <a:buChar char="Ø"/>
             </a:pPr>
             <a:r>
-              <a:rPr lang="en-US" sz="2400" dirty="0"/>
+              <a:rPr lang="en-US" sz="2400" dirty="0">
+                <a:latin typeface="Times New Roman" panose="02020603050405020304" pitchFamily="18" charset="0"/>
+                <a:cs typeface="Times New Roman" panose="02020603050405020304" pitchFamily="18" charset="0"/>
+              </a:rPr>
               <a:t>Challenges encountered during data preparation.</a:t>
             </a:r>
           </a:p>
